--- a/Comunicação/Linguagem adequada.pptx
+++ b/Comunicação/Linguagem adequada.pptx
@@ -8,6 +8,12 @@
     <p:sldId id="256" r:id="rId2"/>
     <p:sldId id="257" r:id="rId3"/>
     <p:sldId id="259" r:id="rId4"/>
+    <p:sldId id="260" r:id="rId5"/>
+    <p:sldId id="261" r:id="rId6"/>
+    <p:sldId id="262" r:id="rId7"/>
+    <p:sldId id="263" r:id="rId8"/>
+    <p:sldId id="264" r:id="rId9"/>
+    <p:sldId id="265" r:id="rId10"/>
   </p:sldIdLst>
   <p:sldSz cx="12192000" cy="6858000"/>
   <p:notesSz cx="6858000" cy="9144000"/>
@@ -106,7 +112,22 @@
       </a:defRPr>
     </a:lvl9pPr>
   </p:defaultTextStyle>
+  <p:extLst>
+    <p:ext uri="{EFAFB233-063F-42B5-8137-9DF3F51BA10A}">
+      <p15:sldGuideLst xmlns:p15="http://schemas.microsoft.com/office/powerpoint/2012/main"/>
+    </p:ext>
+  </p:extLst>
 </p:presentation>
+</file>
+
+<file path=ppt/revisionInfo.xml><?xml version="1.0" encoding="utf-8"?>
+<p1510:revInfo xmlns:a="http://schemas.openxmlformats.org/drawingml/2006/main" xmlns:r="http://schemas.openxmlformats.org/officeDocument/2006/relationships" xmlns:p1510="http://schemas.microsoft.com/office/powerpoint/2015/10/main">
+  <p1510:revLst>
+    <p1510:client id="{4598B5CC-2D82-41FD-A39A-90FCF975BC20}" v="1319" dt="2023-02-09T17:11:56.646"/>
+    <p1510:client id="{94BAC44B-A080-4BFB-906B-00EE6C405674}" v="15" dt="2023-02-09T17:15:06.611"/>
+    <p1510:client id="{E651E69C-63FC-4D00-A25B-8707F75CC948}" v="10" dt="2023-02-15T23:03:17.023"/>
+  </p1510:revLst>
+</p1510:revInfo>
 </file>
 
 <file path=ppt/slideLayouts/slideLayout1.xml><?xml version="1.0" encoding="utf-8"?>
@@ -165,7 +186,7 @@
           </a:lstStyle>
           <a:p>
             <a:r>
-              <a:rPr lang="pt-BR" smtClean="0"/>
+              <a:rPr lang="pt-BR"/>
               <a:t>Clique para editar o título mestre</a:t>
             </a:r>
             <a:endParaRPr lang="en-US" dirty="0"/>
@@ -241,7 +262,7 @@
           </a:lstStyle>
           <a:p>
             <a:r>
-              <a:rPr lang="pt-BR" smtClean="0"/>
+              <a:rPr lang="pt-BR"/>
               <a:t>Clique para editar o estilo do subtítulo mestre</a:t>
             </a:r>
             <a:endParaRPr lang="en-US" dirty="0"/>
@@ -279,7 +300,7 @@
             <a:fld id="{87DE6118-2437-4B30-8E3C-4D2BE6020583}" type="datetimeFigureOut">
               <a:rPr lang="en-US" smtClean="0"/>
               <a:pPr/>
-              <a:t>2/10/2023</a:t>
+              <a:t>2/15/2023</a:t>
             </a:fld>
             <a:endParaRPr lang="en-US" dirty="0"/>
           </a:p>
@@ -529,7 +550,7 @@
           <a:lstStyle/>
           <a:p>
             <a:r>
-              <a:rPr lang="pt-BR" smtClean="0"/>
+              <a:rPr lang="pt-BR"/>
               <a:t>Clique para editar o título mestre</a:t>
             </a:r>
             <a:endParaRPr lang="en-US" dirty="0"/>
@@ -558,35 +579,35 @@
           <a:p>
             <a:pPr lvl="0"/>
             <a:r>
-              <a:rPr lang="pt-BR" smtClean="0"/>
+              <a:rPr lang="pt-BR"/>
               <a:t>Clique para editar o texto mestre</a:t>
             </a:r>
           </a:p>
           <a:p>
             <a:pPr lvl="1"/>
             <a:r>
-              <a:rPr lang="pt-BR" smtClean="0"/>
+              <a:rPr lang="pt-BR"/>
               <a:t>Segundo nível</a:t>
             </a:r>
           </a:p>
           <a:p>
             <a:pPr lvl="2"/>
             <a:r>
-              <a:rPr lang="pt-BR" smtClean="0"/>
+              <a:rPr lang="pt-BR"/>
               <a:t>Terceiro nível</a:t>
             </a:r>
           </a:p>
           <a:p>
             <a:pPr lvl="3"/>
             <a:r>
-              <a:rPr lang="pt-BR" smtClean="0"/>
+              <a:rPr lang="pt-BR"/>
               <a:t>Quarto nível</a:t>
             </a:r>
           </a:p>
           <a:p>
             <a:pPr lvl="4"/>
             <a:r>
-              <a:rPr lang="pt-BR" smtClean="0"/>
+              <a:rPr lang="pt-BR"/>
               <a:t>Quinto nível</a:t>
             </a:r>
             <a:endParaRPr lang="en-US" dirty="0"/>
@@ -610,7 +631,7 @@
           <a:p>
             <a:fld id="{87DE6118-2437-4B30-8E3C-4D2BE6020583}" type="datetimeFigureOut">
               <a:rPr lang="en-US" smtClean="0"/>
-              <a:t>2/10/2023</a:t>
+              <a:t>2/15/2023</a:t>
             </a:fld>
             <a:endParaRPr lang="en-US" dirty="0"/>
           </a:p>
@@ -709,7 +730,7 @@
           <a:lstStyle/>
           <a:p>
             <a:r>
-              <a:rPr lang="pt-BR" smtClean="0"/>
+              <a:rPr lang="pt-BR"/>
               <a:t>Clique para editar o título mestre</a:t>
             </a:r>
             <a:endParaRPr lang="en-US" dirty="0"/>
@@ -738,35 +759,35 @@
           <a:p>
             <a:pPr lvl="0"/>
             <a:r>
-              <a:rPr lang="pt-BR" smtClean="0"/>
+              <a:rPr lang="pt-BR"/>
               <a:t>Clique para editar o texto mestre</a:t>
             </a:r>
           </a:p>
           <a:p>
             <a:pPr lvl="1"/>
             <a:r>
-              <a:rPr lang="pt-BR" smtClean="0"/>
+              <a:rPr lang="pt-BR"/>
               <a:t>Segundo nível</a:t>
             </a:r>
           </a:p>
           <a:p>
             <a:pPr lvl="2"/>
             <a:r>
-              <a:rPr lang="pt-BR" smtClean="0"/>
+              <a:rPr lang="pt-BR"/>
               <a:t>Terceiro nível</a:t>
             </a:r>
           </a:p>
           <a:p>
             <a:pPr lvl="3"/>
             <a:r>
-              <a:rPr lang="pt-BR" smtClean="0"/>
+              <a:rPr lang="pt-BR"/>
               <a:t>Quarto nível</a:t>
             </a:r>
           </a:p>
           <a:p>
             <a:pPr lvl="4"/>
             <a:r>
-              <a:rPr lang="pt-BR" smtClean="0"/>
+              <a:rPr lang="pt-BR"/>
               <a:t>Quinto nível</a:t>
             </a:r>
             <a:endParaRPr lang="en-US" dirty="0"/>
@@ -790,7 +811,7 @@
           <a:p>
             <a:fld id="{87DE6118-2437-4B30-8E3C-4D2BE6020583}" type="datetimeFigureOut">
               <a:rPr lang="en-US" smtClean="0"/>
-              <a:t>2/10/2023</a:t>
+              <a:t>2/15/2023</a:t>
             </a:fld>
             <a:endParaRPr lang="en-US" dirty="0"/>
           </a:p>
@@ -884,7 +905,7 @@
           <a:lstStyle/>
           <a:p>
             <a:r>
-              <a:rPr lang="pt-BR" smtClean="0"/>
+              <a:rPr lang="pt-BR"/>
               <a:t>Clique para editar o título mestre</a:t>
             </a:r>
             <a:endParaRPr lang="en-US" dirty="0"/>
@@ -908,35 +929,35 @@
           <a:p>
             <a:pPr lvl="0"/>
             <a:r>
-              <a:rPr lang="pt-BR" smtClean="0"/>
+              <a:rPr lang="pt-BR"/>
               <a:t>Clique para editar o texto mestre</a:t>
             </a:r>
           </a:p>
           <a:p>
             <a:pPr lvl="1"/>
             <a:r>
-              <a:rPr lang="pt-BR" smtClean="0"/>
+              <a:rPr lang="pt-BR"/>
               <a:t>Segundo nível</a:t>
             </a:r>
           </a:p>
           <a:p>
             <a:pPr lvl="2"/>
             <a:r>
-              <a:rPr lang="pt-BR" smtClean="0"/>
+              <a:rPr lang="pt-BR"/>
               <a:t>Terceiro nível</a:t>
             </a:r>
           </a:p>
           <a:p>
             <a:pPr lvl="3"/>
             <a:r>
-              <a:rPr lang="pt-BR" smtClean="0"/>
+              <a:rPr lang="pt-BR"/>
               <a:t>Quarto nível</a:t>
             </a:r>
           </a:p>
           <a:p>
             <a:pPr lvl="4"/>
             <a:r>
-              <a:rPr lang="pt-BR" smtClean="0"/>
+              <a:rPr lang="pt-BR"/>
               <a:t>Quinto nível</a:t>
             </a:r>
             <a:endParaRPr lang="en-US" dirty="0"/>
@@ -960,7 +981,7 @@
           <a:p>
             <a:fld id="{87DE6118-2437-4B30-8E3C-4D2BE6020583}" type="datetimeFigureOut">
               <a:rPr lang="en-US" smtClean="0"/>
-              <a:t>2/10/2023</a:t>
+              <a:t>2/15/2023</a:t>
             </a:fld>
             <a:endParaRPr lang="en-US" dirty="0"/>
           </a:p>
@@ -1074,7 +1095,7 @@
           </a:lstStyle>
           <a:p>
             <a:r>
-              <a:rPr lang="pt-BR" smtClean="0"/>
+              <a:rPr lang="pt-BR"/>
               <a:t>Clique para editar o título mestre</a:t>
             </a:r>
             <a:endParaRPr lang="en-US" dirty="0"/>
@@ -1201,7 +1222,7 @@
           <a:p>
             <a:pPr lvl="0"/>
             <a:r>
-              <a:rPr lang="pt-BR" smtClean="0"/>
+              <a:rPr lang="pt-BR"/>
               <a:t>Clique para editar o texto mestre</a:t>
             </a:r>
           </a:p>
@@ -1238,7 +1259,7 @@
             <a:fld id="{87DE6118-2437-4B30-8E3C-4D2BE6020583}" type="datetimeFigureOut">
               <a:rPr lang="en-US" smtClean="0"/>
               <a:pPr/>
-              <a:t>2/10/2023</a:t>
+              <a:t>2/15/2023</a:t>
             </a:fld>
             <a:endParaRPr lang="en-US" dirty="0"/>
           </a:p>
@@ -1423,7 +1444,7 @@
           </a:lstStyle>
           <a:p>
             <a:r>
-              <a:rPr lang="pt-BR" smtClean="0"/>
+              <a:rPr lang="pt-BR"/>
               <a:t>Clique para editar o título mestre</a:t>
             </a:r>
             <a:endParaRPr lang="en-US" dirty="0"/>
@@ -1488,35 +1509,35 @@
           <a:p>
             <a:pPr lvl="0"/>
             <a:r>
-              <a:rPr lang="pt-BR" smtClean="0"/>
+              <a:rPr lang="pt-BR"/>
               <a:t>Clique para editar o texto mestre</a:t>
             </a:r>
           </a:p>
           <a:p>
             <a:pPr lvl="1"/>
             <a:r>
-              <a:rPr lang="pt-BR" smtClean="0"/>
+              <a:rPr lang="pt-BR"/>
               <a:t>Segundo nível</a:t>
             </a:r>
           </a:p>
           <a:p>
             <a:pPr lvl="2"/>
             <a:r>
-              <a:rPr lang="pt-BR" smtClean="0"/>
+              <a:rPr lang="pt-BR"/>
               <a:t>Terceiro nível</a:t>
             </a:r>
           </a:p>
           <a:p>
             <a:pPr lvl="3"/>
             <a:r>
-              <a:rPr lang="pt-BR" smtClean="0"/>
+              <a:rPr lang="pt-BR"/>
               <a:t>Quarto nível</a:t>
             </a:r>
           </a:p>
           <a:p>
             <a:pPr lvl="4"/>
             <a:r>
-              <a:rPr lang="pt-BR" smtClean="0"/>
+              <a:rPr lang="pt-BR"/>
               <a:t>Quinto nível</a:t>
             </a:r>
             <a:endParaRPr lang="en-US" dirty="0"/>
@@ -1581,35 +1602,35 @@
           <a:p>
             <a:pPr lvl="0"/>
             <a:r>
-              <a:rPr lang="pt-BR" smtClean="0"/>
+              <a:rPr lang="pt-BR"/>
               <a:t>Clique para editar o texto mestre</a:t>
             </a:r>
           </a:p>
           <a:p>
             <a:pPr lvl="1"/>
             <a:r>
-              <a:rPr lang="pt-BR" smtClean="0"/>
+              <a:rPr lang="pt-BR"/>
               <a:t>Segundo nível</a:t>
             </a:r>
           </a:p>
           <a:p>
             <a:pPr lvl="2"/>
             <a:r>
-              <a:rPr lang="pt-BR" smtClean="0"/>
+              <a:rPr lang="pt-BR"/>
               <a:t>Terceiro nível</a:t>
             </a:r>
           </a:p>
           <a:p>
             <a:pPr lvl="3"/>
             <a:r>
-              <a:rPr lang="pt-BR" smtClean="0"/>
+              <a:rPr lang="pt-BR"/>
               <a:t>Quarto nível</a:t>
             </a:r>
           </a:p>
           <a:p>
             <a:pPr lvl="4"/>
             <a:r>
-              <a:rPr lang="pt-BR" smtClean="0"/>
+              <a:rPr lang="pt-BR"/>
               <a:t>Quinto nível</a:t>
             </a:r>
             <a:endParaRPr lang="en-US" dirty="0"/>
@@ -1633,7 +1654,7 @@
           <a:p>
             <a:fld id="{87DE6118-2437-4B30-8E3C-4D2BE6020583}" type="datetimeFigureOut">
               <a:rPr lang="en-US" smtClean="0"/>
-              <a:t>2/10/2023</a:t>
+              <a:t>2/15/2023</a:t>
             </a:fld>
             <a:endParaRPr lang="en-US" dirty="0"/>
           </a:p>
@@ -1740,7 +1761,7 @@
           </a:lstStyle>
           <a:p>
             <a:r>
-              <a:rPr lang="pt-BR" smtClean="0"/>
+              <a:rPr lang="pt-BR"/>
               <a:t>Clique para editar o título mestre</a:t>
             </a:r>
             <a:endParaRPr lang="en-US" dirty="0"/>
@@ -1821,7 +1842,7 @@
           <a:p>
             <a:pPr lvl="0"/>
             <a:r>
-              <a:rPr lang="pt-BR" smtClean="0"/>
+              <a:rPr lang="pt-BR"/>
               <a:t>Clique para editar o texto mestre</a:t>
             </a:r>
           </a:p>
@@ -1885,35 +1906,35 @@
           <a:p>
             <a:pPr lvl="0"/>
             <a:r>
-              <a:rPr lang="pt-BR" smtClean="0"/>
+              <a:rPr lang="pt-BR"/>
               <a:t>Clique para editar o texto mestre</a:t>
             </a:r>
           </a:p>
           <a:p>
             <a:pPr lvl="1"/>
             <a:r>
-              <a:rPr lang="pt-BR" smtClean="0"/>
+              <a:rPr lang="pt-BR"/>
               <a:t>Segundo nível</a:t>
             </a:r>
           </a:p>
           <a:p>
             <a:pPr lvl="2"/>
             <a:r>
-              <a:rPr lang="pt-BR" smtClean="0"/>
+              <a:rPr lang="pt-BR"/>
               <a:t>Terceiro nível</a:t>
             </a:r>
           </a:p>
           <a:p>
             <a:pPr lvl="3"/>
             <a:r>
-              <a:rPr lang="pt-BR" smtClean="0"/>
+              <a:rPr lang="pt-BR"/>
               <a:t>Quarto nível</a:t>
             </a:r>
           </a:p>
           <a:p>
             <a:pPr lvl="4"/>
             <a:r>
-              <a:rPr lang="pt-BR" smtClean="0"/>
+              <a:rPr lang="pt-BR"/>
               <a:t>Quinto nível</a:t>
             </a:r>
             <a:endParaRPr lang="en-US" dirty="0"/>
@@ -1994,7 +2015,7 @@
           <a:p>
             <a:pPr lvl="0"/>
             <a:r>
-              <a:rPr lang="pt-BR" smtClean="0"/>
+              <a:rPr lang="pt-BR"/>
               <a:t>Clique para editar o texto mestre</a:t>
             </a:r>
           </a:p>
@@ -2058,35 +2079,35 @@
           <a:p>
             <a:pPr lvl="0"/>
             <a:r>
-              <a:rPr lang="pt-BR" smtClean="0"/>
+              <a:rPr lang="pt-BR"/>
               <a:t>Clique para editar o texto mestre</a:t>
             </a:r>
           </a:p>
           <a:p>
             <a:pPr lvl="1"/>
             <a:r>
-              <a:rPr lang="pt-BR" smtClean="0"/>
+              <a:rPr lang="pt-BR"/>
               <a:t>Segundo nível</a:t>
             </a:r>
           </a:p>
           <a:p>
             <a:pPr lvl="2"/>
             <a:r>
-              <a:rPr lang="pt-BR" smtClean="0"/>
+              <a:rPr lang="pt-BR"/>
               <a:t>Terceiro nível</a:t>
             </a:r>
           </a:p>
           <a:p>
             <a:pPr lvl="3"/>
             <a:r>
-              <a:rPr lang="pt-BR" smtClean="0"/>
+              <a:rPr lang="pt-BR"/>
               <a:t>Quarto nível</a:t>
             </a:r>
           </a:p>
           <a:p>
             <a:pPr lvl="4"/>
             <a:r>
-              <a:rPr lang="pt-BR" smtClean="0"/>
+              <a:rPr lang="pt-BR"/>
               <a:t>Quinto nível</a:t>
             </a:r>
             <a:endParaRPr lang="en-US" dirty="0"/>
@@ -2110,7 +2131,7 @@
           <a:p>
             <a:fld id="{87DE6118-2437-4B30-8E3C-4D2BE6020583}" type="datetimeFigureOut">
               <a:rPr lang="en-US" smtClean="0"/>
-              <a:t>2/10/2023</a:t>
+              <a:t>2/15/2023</a:t>
             </a:fld>
             <a:endParaRPr lang="en-US" dirty="0"/>
           </a:p>
@@ -2204,7 +2225,7 @@
           <a:lstStyle/>
           <a:p>
             <a:r>
-              <a:rPr lang="pt-BR" smtClean="0"/>
+              <a:rPr lang="pt-BR"/>
               <a:t>Clique para editar o título mestre</a:t>
             </a:r>
             <a:endParaRPr lang="en-US" dirty="0"/>
@@ -2228,7 +2249,7 @@
           <a:p>
             <a:fld id="{87DE6118-2437-4B30-8E3C-4D2BE6020583}" type="datetimeFigureOut">
               <a:rPr lang="en-US" smtClean="0"/>
-              <a:t>2/10/2023</a:t>
+              <a:t>2/15/2023</a:t>
             </a:fld>
             <a:endParaRPr lang="en-US" dirty="0"/>
           </a:p>
@@ -2323,7 +2344,7 @@
           <a:p>
             <a:fld id="{87DE6118-2437-4B30-8E3C-4D2BE6020583}" type="datetimeFigureOut">
               <a:rPr lang="en-US" smtClean="0"/>
-              <a:t>2/10/2023</a:t>
+              <a:t>2/15/2023</a:t>
             </a:fld>
             <a:endParaRPr lang="en-US" dirty="0"/>
           </a:p>
@@ -2473,7 +2494,7 @@
           </a:lstStyle>
           <a:p>
             <a:r>
-              <a:rPr lang="pt-BR" smtClean="0"/>
+              <a:rPr lang="pt-BR"/>
               <a:t>Clique para editar o título mestre</a:t>
             </a:r>
             <a:endParaRPr lang="en-US" dirty="0"/>
@@ -2530,35 +2551,35 @@
           <a:p>
             <a:pPr lvl="0"/>
             <a:r>
-              <a:rPr lang="pt-BR" smtClean="0"/>
+              <a:rPr lang="pt-BR"/>
               <a:t>Clique para editar o texto mestre</a:t>
             </a:r>
           </a:p>
           <a:p>
             <a:pPr lvl="1"/>
             <a:r>
-              <a:rPr lang="pt-BR" smtClean="0"/>
+              <a:rPr lang="pt-BR"/>
               <a:t>Segundo nível</a:t>
             </a:r>
           </a:p>
           <a:p>
             <a:pPr lvl="2"/>
             <a:r>
-              <a:rPr lang="pt-BR" smtClean="0"/>
+              <a:rPr lang="pt-BR"/>
               <a:t>Terceiro nível</a:t>
             </a:r>
           </a:p>
           <a:p>
             <a:pPr lvl="3"/>
             <a:r>
-              <a:rPr lang="pt-BR" smtClean="0"/>
+              <a:rPr lang="pt-BR"/>
               <a:t>Quarto nível</a:t>
             </a:r>
           </a:p>
           <a:p>
             <a:pPr lvl="4"/>
             <a:r>
-              <a:rPr lang="pt-BR" smtClean="0"/>
+              <a:rPr lang="pt-BR"/>
               <a:t>Quinto nível</a:t>
             </a:r>
             <a:endParaRPr lang="en-US" dirty="0"/>
@@ -2633,7 +2654,7 @@
           <a:p>
             <a:pPr lvl="0"/>
             <a:r>
-              <a:rPr lang="pt-BR" smtClean="0"/>
+              <a:rPr lang="pt-BR"/>
               <a:t>Clique para editar o texto mestre</a:t>
             </a:r>
           </a:p>
@@ -2670,7 +2691,7 @@
             <a:fld id="{87DE6118-2437-4B30-8E3C-4D2BE6020583}" type="datetimeFigureOut">
               <a:rPr lang="en-US" smtClean="0"/>
               <a:pPr/>
-              <a:t>2/10/2023</a:t>
+              <a:t>2/15/2023</a:t>
             </a:fld>
             <a:endParaRPr lang="en-US" dirty="0"/>
           </a:p>
@@ -2881,7 +2902,7 @@
           </a:lstStyle>
           <a:p>
             <a:r>
-              <a:rPr lang="pt-BR" smtClean="0"/>
+              <a:rPr lang="pt-BR"/>
               <a:t>Clique para editar o título mestre</a:t>
             </a:r>
             <a:endParaRPr lang="en-US" dirty="0"/>
@@ -2948,7 +2969,7 @@
           </a:lstStyle>
           <a:p>
             <a:r>
-              <a:rPr lang="pt-BR" smtClean="0"/>
+              <a:rPr lang="pt-BR"/>
               <a:t>Clique no ícone para adicionar uma imagem</a:t>
             </a:r>
             <a:endParaRPr lang="en-US" dirty="0"/>
@@ -3023,7 +3044,7 @@
           <a:p>
             <a:pPr lvl="0"/>
             <a:r>
-              <a:rPr lang="pt-BR" smtClean="0"/>
+              <a:rPr lang="pt-BR"/>
               <a:t>Clique para editar o texto mestre</a:t>
             </a:r>
           </a:p>
@@ -3060,7 +3081,7 @@
             <a:fld id="{87DE6118-2437-4B30-8E3C-4D2BE6020583}" type="datetimeFigureOut">
               <a:rPr lang="en-US" smtClean="0"/>
               <a:pPr/>
-              <a:t>2/10/2023</a:t>
+              <a:t>2/15/2023</a:t>
             </a:fld>
             <a:endParaRPr lang="en-US" dirty="0"/>
           </a:p>
@@ -3237,7 +3258,7 @@
           <a:lstStyle/>
           <a:p>
             <a:r>
-              <a:rPr lang="pt-BR" smtClean="0"/>
+              <a:rPr lang="pt-BR"/>
               <a:t>Clique para editar o título mestre</a:t>
             </a:r>
             <a:endParaRPr lang="en-US" dirty="0"/>
@@ -3271,35 +3292,35 @@
           <a:p>
             <a:pPr lvl="0"/>
             <a:r>
-              <a:rPr lang="pt-BR" smtClean="0"/>
+              <a:rPr lang="pt-BR"/>
               <a:t>Clique para editar o texto mestre</a:t>
             </a:r>
           </a:p>
           <a:p>
             <a:pPr lvl="1"/>
             <a:r>
-              <a:rPr lang="pt-BR" smtClean="0"/>
+              <a:rPr lang="pt-BR"/>
               <a:t>Segundo nível</a:t>
             </a:r>
           </a:p>
           <a:p>
             <a:pPr lvl="2"/>
             <a:r>
-              <a:rPr lang="pt-BR" smtClean="0"/>
+              <a:rPr lang="pt-BR"/>
               <a:t>Terceiro nível</a:t>
             </a:r>
           </a:p>
           <a:p>
             <a:pPr lvl="3"/>
             <a:r>
-              <a:rPr lang="pt-BR" smtClean="0"/>
+              <a:rPr lang="pt-BR"/>
               <a:t>Quarto nível</a:t>
             </a:r>
           </a:p>
           <a:p>
             <a:pPr lvl="4"/>
             <a:r>
-              <a:rPr lang="pt-BR" smtClean="0"/>
+              <a:rPr lang="pt-BR"/>
               <a:t>Quinto nível</a:t>
             </a:r>
             <a:endParaRPr lang="en-US" dirty="0"/>
@@ -3340,7 +3361,7 @@
             <a:fld id="{87DE6118-2437-4B30-8E3C-4D2BE6020583}" type="datetimeFigureOut">
               <a:rPr lang="en-US" smtClean="0"/>
               <a:pPr/>
-              <a:t>2/10/2023</a:t>
+              <a:t>2/15/2023</a:t>
             </a:fld>
             <a:endParaRPr lang="en-US" dirty="0"/>
           </a:p>
@@ -3787,45 +3808,45 @@
       </a:lvl9pPr>
     </p:otherStyle>
   </p:txStyles>
-  <p:extLst mod="1">
+  <p:extLst>
     <p:ext uri="{27BBF7A9-308A-43DC-89C8-2F10F3537804}">
       <p15:sldGuideLst xmlns:p15="http://schemas.microsoft.com/office/powerpoint/2012/main">
-        <p15:guide id="4294967295" orient="horz" pos="1368">
+        <p15:guide id="1" orient="horz" pos="1368">
           <p15:clr>
             <a:srgbClr val="F26B43"/>
           </p15:clr>
         </p15:guide>
-        <p15:guide id="4294967295" orient="horz" pos="1440">
+        <p15:guide id="2" orient="horz" pos="1440">
           <p15:clr>
             <a:srgbClr val="F26B43"/>
           </p15:clr>
         </p15:guide>
-        <p15:guide id="4294967295" orient="horz" pos="3696">
+        <p15:guide id="3" orient="horz" pos="3696">
           <p15:clr>
             <a:srgbClr val="F26B43"/>
           </p15:clr>
         </p15:guide>
-        <p15:guide id="4294967295" orient="horz" pos="432">
+        <p15:guide id="4" orient="horz" pos="432">
           <p15:clr>
             <a:srgbClr val="F26B43"/>
           </p15:clr>
         </p15:guide>
-        <p15:guide id="4294967295" orient="horz" pos="1512">
+        <p15:guide id="5" orient="horz" pos="1512">
           <p15:clr>
             <a:srgbClr val="F26B43"/>
           </p15:clr>
         </p15:guide>
-        <p15:guide id="4294967295" pos="6912">
+        <p15:guide id="6" pos="6912">
           <p15:clr>
             <a:srgbClr val="F26B43"/>
           </p15:clr>
         </p15:guide>
-        <p15:guide id="4294967295" pos="936">
+        <p15:guide id="7" pos="936">
           <p15:clr>
             <a:srgbClr val="F26B43"/>
           </p15:clr>
         </p15:guide>
-        <p15:guide id="4294967295" pos="864">
+        <p15:guide id="8" pos="864">
           <p15:clr>
             <a:srgbClr val="F26B43"/>
           </p15:clr>
@@ -3874,10 +3895,9 @@
           <a:lstStyle/>
           <a:p>
             <a:r>
-              <a:rPr lang="pt-BR" sz="5400" dirty="0" smtClean="0"/>
+              <a:rPr lang="pt-BR" sz="5400" dirty="0"/>
               <a:t>Linguagem adequada</a:t>
             </a:r>
-            <a:endParaRPr lang="pt-BR" sz="5400" dirty="0"/>
           </a:p>
         </p:txBody>
       </p:sp>
@@ -3902,7 +3922,7 @@
           <a:lstStyle/>
           <a:p>
             <a:r>
-              <a:rPr lang="pt-BR" dirty="0" smtClean="0">
+              <a:rPr lang="pt-BR" dirty="0">
                 <a:solidFill>
                   <a:schemeClr val="bg2">
                     <a:lumMod val="25000"/>
@@ -3911,13 +3931,6 @@
               </a:rPr>
               <a:t>Conceitos e explicações sobre um dos tipos fala que compõem nossa linguagem</a:t>
             </a:r>
-            <a:endParaRPr lang="pt-BR" dirty="0">
-              <a:solidFill>
-                <a:schemeClr val="bg2">
-                  <a:lumMod val="25000"/>
-                </a:schemeClr>
-              </a:solidFill>
-            </a:endParaRPr>
           </a:p>
         </p:txBody>
       </p:sp>
@@ -3931,13 +3944,6 @@
   <p:clrMapOvr>
     <a:masterClrMapping/>
   </p:clrMapOvr>
-  <p:timing>
-    <p:tnLst>
-      <p:par>
-        <p:cTn id="1" dur="indefinite" restart="never" nodeType="tmRoot"/>
-      </p:par>
-    </p:tnLst>
-  </p:timing>
 </p:sld>
 </file>
 
@@ -3960,427 +3966,78 @@
       </p:grpSpPr>
       <p:sp>
         <p:nvSpPr>
-          <p:cNvPr id="3" name="Subtítulo 2"/>
-          <p:cNvSpPr>
-            <a:spLocks noGrp="1"/>
-          </p:cNvSpPr>
-          <p:nvPr>
-            <p:ph type="subTitle" idx="1"/>
-          </p:nvPr>
-        </p:nvSpPr>
-        <p:spPr>
-          <a:xfrm>
-            <a:off x="2586601" y="4269535"/>
-            <a:ext cx="6831673" cy="1086237"/>
-          </a:xfrm>
-        </p:spPr>
-        <p:txBody>
-          <a:bodyPr>
-            <a:normAutofit fontScale="92500" lnSpcReduction="10000"/>
-          </a:bodyPr>
-          <a:lstStyle/>
-          <a:p>
-            <a:r>
-              <a:rPr lang="pt-BR" dirty="0" smtClean="0">
-                <a:solidFill>
-                  <a:schemeClr val="bg2">
-                    <a:lumMod val="25000"/>
-                  </a:schemeClr>
-                </a:solidFill>
-              </a:rPr>
-              <a:t>A adequação consiste em fazer o uso correto da linguagem conforme o contexto, ou seja, de acordo com o local, tema e pessoas que participam da comunicação</a:t>
-            </a:r>
-            <a:endParaRPr lang="pt-BR" dirty="0">
-              <a:solidFill>
-                <a:schemeClr val="bg2">
-                  <a:lumMod val="25000"/>
-                </a:schemeClr>
-              </a:solidFill>
-            </a:endParaRPr>
-          </a:p>
-        </p:txBody>
-      </p:sp>
-      <p:sp>
-        <p:nvSpPr>
-          <p:cNvPr id="6" name="Subtítulo 2"/>
-          <p:cNvSpPr txBox="1">
-            <a:spLocks/>
-          </p:cNvSpPr>
+          <p:cNvPr id="2" name="CaixaDeTexto 1">
+            <a:extLst>
+              <a:ext uri="{FF2B5EF4-FFF2-40B4-BE49-F238E27FC236}">
+                <a16:creationId xmlns:a16="http://schemas.microsoft.com/office/drawing/2014/main" id="{3148A41E-9834-5ABD-9B2D-168315A0F28D}"/>
+              </a:ext>
+            </a:extLst>
+          </p:cNvPr>
+          <p:cNvSpPr txBox="1"/>
           <p:nvPr/>
         </p:nvSpPr>
         <p:spPr>
           <a:xfrm>
-            <a:off x="1274094" y="1309497"/>
-            <a:ext cx="6852868" cy="2702666"/>
+            <a:off x="932342" y="1324126"/>
+            <a:ext cx="10031541" cy="3262688"/>
           </a:xfrm>
           <a:prstGeom prst="rect">
             <a:avLst/>
           </a:prstGeom>
-        </p:spPr>
-        <p:txBody>
-          <a:bodyPr vert="horz" lIns="91440" tIns="45720" rIns="91440" bIns="45720" rtlCol="0">
-            <a:normAutofit fontScale="92500" lnSpcReduction="20000"/>
+          <a:noFill/>
+        </p:spPr>
+        <p:txBody>
+          <a:bodyPr rot="0" spcFirstLastPara="0" vertOverflow="overflow" horzOverflow="overflow" vert="horz" wrap="square" lIns="91440" tIns="45720" rIns="91440" bIns="45720" numCol="1" spcCol="0" rtlCol="0" fromWordArt="0" anchor="t" anchorCtr="0" forceAA="0" compatLnSpc="1">
+            <a:prstTxWarp prst="textNoShape">
+              <a:avLst/>
+            </a:prstTxWarp>
+            <a:spAutoFit/>
           </a:bodyPr>
-          <a:lstStyle>
-            <a:lvl1pPr marL="0" indent="0" algn="ctr" defTabSz="914400" rtl="0" eaLnBrk="1" latinLnBrk="0" hangingPunct="1">
+          <a:lstStyle/>
+          <a:p>
+            <a:pPr marL="384175">
               <a:lnSpc>
-                <a:spcPct val="112000"/>
+                <a:spcPct val="150000"/>
               </a:lnSpc>
               <a:spcBef>
-                <a:spcPts val="0"/>
-              </a:spcBef>
-              <a:spcAft>
-                <a:spcPts val="0"/>
-              </a:spcAft>
-              <a:buFont typeface="Franklin Gothic Book" panose="020B0503020102020204" pitchFamily="34" charset="0"/>
-              <a:buNone/>
-              <a:defRPr sz="2300" kern="1200" baseline="0">
-                <a:solidFill>
-                  <a:schemeClr val="tx2"/>
-                </a:solidFill>
-                <a:latin typeface="+mn-lt"/>
-                <a:ea typeface="+mn-ea"/>
-                <a:cs typeface="+mn-cs"/>
-              </a:defRPr>
-            </a:lvl1pPr>
-            <a:lvl2pPr marL="457200" indent="0" algn="ctr" defTabSz="914400" rtl="0" eaLnBrk="1" latinLnBrk="0" hangingPunct="1">
-              <a:lnSpc>
-                <a:spcPct val="94000"/>
-              </a:lnSpc>
-              <a:spcBef>
-                <a:spcPts val="500"/>
+                <a:spcPts val="1000"/>
               </a:spcBef>
               <a:spcAft>
                 <a:spcPts val="200"/>
               </a:spcAft>
-              <a:buFont typeface="Franklin Gothic Book" panose="020B0503020102020204" pitchFamily="34" charset="0"/>
-              <a:buNone/>
-              <a:defRPr sz="2000" i="1" kern="1200" baseline="0">
-                <a:solidFill>
-                  <a:schemeClr val="tx2"/>
-                </a:solidFill>
-                <a:latin typeface="+mn-lt"/>
-                <a:ea typeface="+mn-ea"/>
-                <a:cs typeface="+mn-cs"/>
-              </a:defRPr>
-            </a:lvl2pPr>
-            <a:lvl3pPr marL="914400" indent="0" algn="ctr" defTabSz="914400" rtl="0" eaLnBrk="1" latinLnBrk="0" hangingPunct="1">
+            </a:pPr>
+            <a:r>
+              <a:rPr lang="pt-BR" sz="1900" dirty="0">
+                <a:ea typeface="+mn-lt"/>
+                <a:cs typeface="+mn-lt"/>
+              </a:rPr>
+              <a:t>        Durante muito tempo, buscou-se a uniformidade linguística, por isso, tudo o que fugia da gramática normativa era considerado erro. O objetivo era fazer com que a fala fosse transcrição fiel da escrita na norma padrão.  Atualmente, o foco não está mais no conceito de certo e errado, mas no de adequado e inadequado, porque se entende que a linguagem (processo de interação comunicativa) não é homogênea, logo haverá</a:t>
+            </a:r>
+            <a:endParaRPr lang="pt-BR" dirty="0">
+              <a:ea typeface="+mn-lt"/>
+              <a:cs typeface="+mn-lt"/>
+            </a:endParaRPr>
+          </a:p>
+          <a:p>
+            <a:pPr marL="384175">
               <a:lnSpc>
-                <a:spcPct val="94000"/>
+                <a:spcPct val="150000"/>
               </a:lnSpc>
               <a:spcBef>
-                <a:spcPts val="500"/>
+                <a:spcPts val="1000"/>
               </a:spcBef>
               <a:spcAft>
                 <a:spcPts val="200"/>
               </a:spcAft>
-              <a:buFont typeface="Franklin Gothic Book" panose="020B0503020102020204" pitchFamily="34" charset="0"/>
-              <a:buNone/>
-              <a:defRPr sz="1800" kern="1200" baseline="0">
-                <a:solidFill>
-                  <a:schemeClr val="tx2"/>
-                </a:solidFill>
-                <a:latin typeface="+mn-lt"/>
-                <a:ea typeface="+mn-ea"/>
-                <a:cs typeface="+mn-cs"/>
-              </a:defRPr>
-            </a:lvl3pPr>
-            <a:lvl4pPr marL="1371600" indent="0" algn="ctr" defTabSz="914400" rtl="0" eaLnBrk="1" latinLnBrk="0" hangingPunct="1">
-              <a:lnSpc>
-                <a:spcPct val="94000"/>
-              </a:lnSpc>
-              <a:spcBef>
-                <a:spcPts val="500"/>
-              </a:spcBef>
-              <a:spcAft>
-                <a:spcPts val="200"/>
-              </a:spcAft>
-              <a:buFont typeface="Franklin Gothic Book" panose="020B0503020102020204" pitchFamily="34" charset="0"/>
-              <a:buNone/>
-              <a:defRPr sz="1600" i="1" kern="1200" baseline="0">
-                <a:solidFill>
-                  <a:schemeClr val="tx2"/>
-                </a:solidFill>
-                <a:latin typeface="+mn-lt"/>
-                <a:ea typeface="+mn-ea"/>
-                <a:cs typeface="+mn-cs"/>
-              </a:defRPr>
-            </a:lvl4pPr>
-            <a:lvl5pPr marL="1828800" indent="0" algn="ctr" defTabSz="914400" rtl="0" eaLnBrk="1" latinLnBrk="0" hangingPunct="1">
-              <a:lnSpc>
-                <a:spcPct val="94000"/>
-              </a:lnSpc>
-              <a:spcBef>
-                <a:spcPts val="500"/>
-              </a:spcBef>
-              <a:spcAft>
-                <a:spcPts val="200"/>
-              </a:spcAft>
-              <a:buFont typeface="Franklin Gothic Book" panose="020B0503020102020204" pitchFamily="34" charset="0"/>
-              <a:buNone/>
-              <a:defRPr sz="1600" kern="1200" baseline="0">
-                <a:solidFill>
-                  <a:schemeClr val="tx2"/>
-                </a:solidFill>
-                <a:latin typeface="+mn-lt"/>
-                <a:ea typeface="+mn-ea"/>
-                <a:cs typeface="+mn-cs"/>
-              </a:defRPr>
-            </a:lvl5pPr>
-            <a:lvl6pPr marL="2286000" indent="0" algn="ctr" defTabSz="914400" rtl="0" eaLnBrk="1" latinLnBrk="0" hangingPunct="1">
-              <a:lnSpc>
-                <a:spcPct val="94000"/>
-              </a:lnSpc>
-              <a:spcBef>
-                <a:spcPts val="500"/>
-              </a:spcBef>
-              <a:spcAft>
-                <a:spcPts val="200"/>
-              </a:spcAft>
-              <a:buFont typeface="Franklin Gothic Book" panose="020B0503020102020204" pitchFamily="34" charset="0"/>
-              <a:buNone/>
-              <a:defRPr sz="1600" i="1" kern="1200" baseline="0">
-                <a:solidFill>
-                  <a:schemeClr val="tx2"/>
-                </a:solidFill>
-                <a:latin typeface="+mn-lt"/>
-                <a:ea typeface="+mn-ea"/>
-                <a:cs typeface="+mn-cs"/>
-              </a:defRPr>
-            </a:lvl6pPr>
-            <a:lvl7pPr marL="2743200" indent="0" algn="ctr" defTabSz="914400" rtl="0" eaLnBrk="1" latinLnBrk="0" hangingPunct="1">
-              <a:lnSpc>
-                <a:spcPct val="94000"/>
-              </a:lnSpc>
-              <a:spcBef>
-                <a:spcPts val="500"/>
-              </a:spcBef>
-              <a:spcAft>
-                <a:spcPts val="200"/>
-              </a:spcAft>
-              <a:buFont typeface="Franklin Gothic Book" panose="020B0503020102020204" pitchFamily="34" charset="0"/>
-              <a:buNone/>
-              <a:defRPr sz="1600" kern="1200" baseline="0">
-                <a:solidFill>
-                  <a:schemeClr val="tx2"/>
-                </a:solidFill>
-                <a:latin typeface="+mn-lt"/>
-                <a:ea typeface="+mn-ea"/>
-                <a:cs typeface="+mn-cs"/>
-              </a:defRPr>
-            </a:lvl7pPr>
-            <a:lvl8pPr marL="3200400" indent="0" algn="ctr" defTabSz="914400" rtl="0" eaLnBrk="1" latinLnBrk="0" hangingPunct="1">
-              <a:lnSpc>
-                <a:spcPct val="94000"/>
-              </a:lnSpc>
-              <a:spcBef>
-                <a:spcPts val="500"/>
-              </a:spcBef>
-              <a:spcAft>
-                <a:spcPts val="200"/>
-              </a:spcAft>
-              <a:buFont typeface="Franklin Gothic Book" panose="020B0503020102020204" pitchFamily="34" charset="0"/>
-              <a:buNone/>
-              <a:defRPr sz="1600" i="1" kern="1200" baseline="0">
-                <a:solidFill>
-                  <a:schemeClr val="tx2"/>
-                </a:solidFill>
-                <a:latin typeface="+mn-lt"/>
-                <a:ea typeface="+mn-ea"/>
-                <a:cs typeface="+mn-cs"/>
-              </a:defRPr>
-            </a:lvl8pPr>
-            <a:lvl9pPr marL="3657600" indent="0" algn="ctr" defTabSz="914400" rtl="0" eaLnBrk="1" latinLnBrk="0" hangingPunct="1">
-              <a:lnSpc>
-                <a:spcPct val="94000"/>
-              </a:lnSpc>
-              <a:spcBef>
-                <a:spcPts val="500"/>
-              </a:spcBef>
-              <a:spcAft>
-                <a:spcPts val="200"/>
-              </a:spcAft>
-              <a:buFont typeface="Franklin Gothic Book" panose="020B0503020102020204" pitchFamily="34" charset="0"/>
-              <a:buNone/>
-              <a:defRPr sz="1600" kern="1200" baseline="0">
-                <a:solidFill>
-                  <a:schemeClr val="tx2"/>
-                </a:solidFill>
-                <a:latin typeface="+mn-lt"/>
-                <a:ea typeface="+mn-ea"/>
-                <a:cs typeface="+mn-cs"/>
-              </a:defRPr>
-            </a:lvl9pPr>
-          </a:lstStyle>
-          <a:p>
-            <a:pPr marL="342900" indent="-342900" algn="l">
-              <a:buFont typeface="Arial" panose="020B0604020202020204" pitchFamily="34" charset="0"/>
-              <a:buChar char="•"/>
             </a:pPr>
             <a:r>
-              <a:rPr lang="pt-BR" sz="1900" dirty="0" smtClean="0">
-                <a:solidFill>
-                  <a:schemeClr val="bg2">
-                    <a:lumMod val="25000"/>
-                  </a:schemeClr>
-                </a:solidFill>
+              <a:rPr lang="pt-BR" sz="1900" dirty="0">
+                <a:ea typeface="+mn-lt"/>
+                <a:cs typeface="+mn-lt"/>
               </a:rPr>
-              <a:t>Como são seres humanos serão afetados pela adequação linguística no futuro? </a:t>
-            </a:r>
-          </a:p>
-          <a:p>
-            <a:pPr marL="342900" indent="-342900" algn="l">
-              <a:buFont typeface="Arial" panose="020B0604020202020204" pitchFamily="34" charset="0"/>
-              <a:buChar char="•"/>
-            </a:pPr>
-            <a:endParaRPr lang="pt-BR" sz="1900" dirty="0" smtClean="0">
-              <a:solidFill>
-                <a:schemeClr val="bg2">
-                  <a:lumMod val="25000"/>
-                </a:schemeClr>
-              </a:solidFill>
-            </a:endParaRPr>
-          </a:p>
-          <a:p>
-            <a:pPr marL="342900" indent="-342900" algn="l">
-              <a:buFont typeface="Arial" panose="020B0604020202020204" pitchFamily="34" charset="0"/>
-              <a:buChar char="•"/>
-            </a:pPr>
-            <a:r>
-              <a:rPr lang="pt-BR" sz="1900" dirty="0" smtClean="0">
-                <a:solidFill>
-                  <a:schemeClr val="bg2">
-                    <a:lumMod val="25000"/>
-                  </a:schemeClr>
-                </a:solidFill>
-              </a:rPr>
-              <a:t>Novas oportunidades de comunicação</a:t>
-            </a:r>
-          </a:p>
-          <a:p>
-            <a:pPr marL="342900" indent="-342900" algn="l">
-              <a:buFont typeface="Arial" panose="020B0604020202020204" pitchFamily="34" charset="0"/>
-              <a:buChar char="•"/>
-            </a:pPr>
-            <a:endParaRPr lang="pt-BR" sz="1900" dirty="0" smtClean="0">
-              <a:solidFill>
-                <a:schemeClr val="bg2">
-                  <a:lumMod val="25000"/>
-                </a:schemeClr>
-              </a:solidFill>
-            </a:endParaRPr>
-          </a:p>
-          <a:p>
-            <a:pPr marL="342900" indent="-342900" algn="l">
-              <a:buFont typeface="Arial" panose="020B0604020202020204" pitchFamily="34" charset="0"/>
-              <a:buChar char="•"/>
-            </a:pPr>
-            <a:r>
-              <a:rPr lang="pt-BR" sz="1900" dirty="0" smtClean="0">
-                <a:solidFill>
-                  <a:schemeClr val="bg2">
-                    <a:lumMod val="25000"/>
-                  </a:schemeClr>
-                </a:solidFill>
-              </a:rPr>
-              <a:t>Aprendizado de idiomas</a:t>
-            </a:r>
-          </a:p>
-          <a:p>
-            <a:pPr marL="342900" indent="-342900" algn="l">
-              <a:buFont typeface="Arial" panose="020B0604020202020204" pitchFamily="34" charset="0"/>
-              <a:buChar char="•"/>
-            </a:pPr>
-            <a:endParaRPr lang="pt-BR" sz="1900" dirty="0" smtClean="0">
-              <a:solidFill>
-                <a:schemeClr val="bg2">
-                  <a:lumMod val="25000"/>
-                </a:schemeClr>
-              </a:solidFill>
-            </a:endParaRPr>
-          </a:p>
-          <a:p>
-            <a:pPr marL="342900" indent="-342900" algn="l">
-              <a:buFont typeface="Arial" panose="020B0604020202020204" pitchFamily="34" charset="0"/>
-              <a:buChar char="•"/>
-            </a:pPr>
-            <a:r>
-              <a:rPr lang="pt-BR" sz="1900" dirty="0" smtClean="0">
-                <a:solidFill>
-                  <a:schemeClr val="bg2">
-                    <a:lumMod val="25000"/>
-                  </a:schemeClr>
-                </a:solidFill>
-              </a:rPr>
-              <a:t>Novos empregos e oportunidades</a:t>
-            </a:r>
-          </a:p>
-          <a:p>
-            <a:pPr marL="342900" indent="-342900" algn="l">
-              <a:buFont typeface="Arial" panose="020B0604020202020204" pitchFamily="34" charset="0"/>
-              <a:buChar char="•"/>
-            </a:pPr>
-            <a:endParaRPr lang="pt-BR" sz="1900" dirty="0" smtClean="0">
-              <a:solidFill>
-                <a:schemeClr val="bg2">
-                  <a:lumMod val="25000"/>
-                </a:schemeClr>
-              </a:solidFill>
-            </a:endParaRPr>
-          </a:p>
-          <a:p>
-            <a:pPr marL="342900" indent="-342900" algn="l">
-              <a:buFont typeface="Arial" panose="020B0604020202020204" pitchFamily="34" charset="0"/>
-              <a:buChar char="•"/>
-            </a:pPr>
-            <a:r>
-              <a:rPr lang="pt-BR" sz="1900" dirty="0" smtClean="0">
-                <a:solidFill>
-                  <a:schemeClr val="bg2">
-                    <a:lumMod val="25000"/>
-                  </a:schemeClr>
-                </a:solidFill>
-              </a:rPr>
-              <a:t>Novas tecnologias</a:t>
-            </a:r>
-          </a:p>
-          <a:p>
-            <a:endParaRPr lang="pt-BR" dirty="0" smtClean="0">
-              <a:solidFill>
-                <a:schemeClr val="bg2">
-                  <a:lumMod val="25000"/>
-                </a:schemeClr>
-              </a:solidFill>
-            </a:endParaRPr>
-          </a:p>
-          <a:p>
-            <a:endParaRPr lang="pt-BR" dirty="0">
-              <a:solidFill>
-                <a:schemeClr val="bg2">
-                  <a:lumMod val="25000"/>
-                </a:schemeClr>
-              </a:solidFill>
-            </a:endParaRPr>
-          </a:p>
-          <a:p>
-            <a:pPr algn="l"/>
-            <a:endParaRPr lang="pt-BR" dirty="0" smtClean="0">
-              <a:solidFill>
-                <a:schemeClr val="bg2">
-                  <a:lumMod val="25000"/>
-                </a:schemeClr>
-              </a:solidFill>
-            </a:endParaRPr>
-          </a:p>
-          <a:p>
-            <a:pPr algn="l"/>
-            <a:endParaRPr lang="pt-BR" dirty="0">
-              <a:solidFill>
-                <a:schemeClr val="bg2">
-                  <a:lumMod val="25000"/>
-                </a:schemeClr>
-              </a:solidFill>
-            </a:endParaRPr>
+              <a:t>       A adequação consiste em fazer o uso correto da linguagem conforme o contexto, ou seja, de acordo com o local, tema e pessoas que participam da comunicação.</a:t>
+            </a:r>
+            <a:endParaRPr lang="pt-BR" dirty="0"/>
           </a:p>
         </p:txBody>
       </p:sp>
@@ -4394,13 +4051,6 @@
   <p:clrMapOvr>
     <a:masterClrMapping/>
   </p:clrMapOvr>
-  <p:timing>
-    <p:tnLst>
-      <p:par>
-        <p:cTn id="1" dur="indefinite" restart="never" nodeType="tmRoot"/>
-      </p:par>
-    </p:tnLst>
-  </p:timing>
 </p:sld>
 </file>
 
@@ -4433,13 +4083,45 @@
         </p:nvSpPr>
         <p:spPr>
           <a:xfrm>
-            <a:off x="1371600" y="998376"/>
-            <a:ext cx="9601200" cy="3581400"/>
-          </a:xfrm>
-        </p:spPr>
-        <p:txBody>
-          <a:bodyPr/>
+            <a:off x="1371600" y="1789130"/>
+            <a:ext cx="10090030" cy="4875363"/>
+          </a:xfrm>
+        </p:spPr>
+        <p:txBody>
+          <a:bodyPr vert="horz" lIns="91440" tIns="45720" rIns="91440" bIns="45720" rtlCol="0" anchor="t">
+            <a:normAutofit lnSpcReduction="10000"/>
+          </a:bodyPr>
           <a:lstStyle/>
+          <a:p>
+            <a:pPr marL="384175" indent="0">
+              <a:lnSpc>
+                <a:spcPct val="160000"/>
+              </a:lnSpc>
+              <a:buNone/>
+            </a:pPr>
+            <a:r>
+              <a:rPr lang="pt-BR" dirty="0">
+                <a:ea typeface="+mn-lt"/>
+                <a:cs typeface="+mn-lt"/>
+              </a:rPr>
+              <a:t>	A adequação linguística está se tornando cada vez mais importante no mundo moderno. Como a tecnologia avança, a necessidade de se comunicar de forma fluida e eficaz com outras línguas se torna cada vez maior. O futuro está trazendo novas oportunidades para os seres humanos se adaptarem às mudanças e se comunicarem com outros de forma fluida.</a:t>
+            </a:r>
+          </a:p>
+          <a:p>
+            <a:pPr marL="384175" indent="0">
+              <a:lnSpc>
+                <a:spcPct val="160000"/>
+              </a:lnSpc>
+              <a:buNone/>
+            </a:pPr>
+            <a:r>
+              <a:rPr lang="pt-BR" dirty="0">
+                <a:ea typeface="+mn-lt"/>
+                <a:cs typeface="+mn-lt"/>
+              </a:rPr>
+              <a:t>       A adequação linguística pode ter um impacto significativo na forma como os seres humanos interagem uns com os outros. Com o aumento da interação entre culturas e pessoas, a necessidade de se comunicar de forma eficaz será cada vez maior. A adequação linguística também pode ajudar a melhorar a colaboração entre as pessoas e a criar um ambiente de trabalho mais produtivo.</a:t>
+            </a:r>
+          </a:p>
           <a:p>
             <a:pPr marL="0" indent="-457200">
               <a:lnSpc>
@@ -4447,34 +4129,70 @@
               </a:lnSpc>
               <a:buNone/>
             </a:pPr>
-            <a:r>
-              <a:rPr lang="pt-BR" dirty="0" smtClean="0"/>
-              <a:t>	A adequação linguística também pode criar novos empregos e abrir novas oportunidades de carreira. A tecnologia permitirá que as pessoas trabalhem em áreas que exigem conhecimentos de línguas estrangeiras, como tradutores, intérpretes e consultores de negócios. Isso permitirá que as pessoas criem novas oportunidades de trabalho e carreira.</a:t>
-            </a:r>
-          </a:p>
-          <a:p>
-            <a:pPr marL="0" indent="-457200">
+            <a:endParaRPr lang="pt-BR" dirty="0"/>
+          </a:p>
+        </p:txBody>
+      </p:sp>
+      <p:sp>
+        <p:nvSpPr>
+          <p:cNvPr id="2" name="CaixaDeTexto 1">
+            <a:extLst>
+              <a:ext uri="{FF2B5EF4-FFF2-40B4-BE49-F238E27FC236}">
+                <a16:creationId xmlns:a16="http://schemas.microsoft.com/office/drawing/2014/main" id="{8C6944AF-8BF3-1E76-DE18-142135F40DBA}"/>
+              </a:ext>
+            </a:extLst>
+          </p:cNvPr>
+          <p:cNvSpPr txBox="1"/>
+          <p:nvPr/>
+        </p:nvSpPr>
+        <p:spPr>
+          <a:xfrm>
+            <a:off x="1185814" y="597754"/>
+            <a:ext cx="10441095" cy="1196610"/>
+          </a:xfrm>
+          <a:prstGeom prst="rect">
+            <a:avLst/>
+          </a:prstGeom>
+          <a:noFill/>
+        </p:spPr>
+        <p:txBody>
+          <a:bodyPr rot="0" spcFirstLastPara="0" vertOverflow="overflow" horzOverflow="overflow" vert="horz" wrap="square" lIns="91440" tIns="45720" rIns="91440" bIns="45720" numCol="1" spcCol="0" rtlCol="0" fromWordArt="0" anchor="b" anchorCtr="0" forceAA="0" compatLnSpc="1">
+            <a:prstTxWarp prst="textNoShape">
+              <a:avLst/>
+            </a:prstTxWarp>
+            <a:spAutoFit/>
+          </a:bodyPr>
+          <a:lstStyle/>
+          <a:p>
+            <a:pPr algn="ctr">
               <a:lnSpc>
-                <a:spcPts val="2400"/>
+                <a:spcPct val="112000"/>
               </a:lnSpc>
-              <a:buNone/>
             </a:pPr>
             <a:r>
-              <a:rPr lang="pt-BR" dirty="0"/>
-              <a:t>	</a:t>
-            </a:r>
-            <a:r>
-              <a:rPr lang="pt-BR" dirty="0" smtClean="0"/>
-              <a:t>Além disso, a adequação </a:t>
-            </a:r>
-            <a:r>
-              <a:rPr lang="pt-BR" u="sng" dirty="0" smtClean="0"/>
-              <a:t>linguística</a:t>
-            </a:r>
-            <a:r>
-              <a:rPr lang="pt-BR" dirty="0" smtClean="0"/>
-              <a:t> pode ajudar as pessoas a se conectar com outras culturas e povos. Isso permitirá que as pessoas criem oportunidades de trabalho e carreira em áreas que exigem conhecimento de línguas estrangeiras.</a:t>
-            </a:r>
+              <a:rPr lang="pt-BR" sz="2400" dirty="0">
+                <a:solidFill>
+                  <a:schemeClr val="bg2">
+                    <a:lumMod val="25000"/>
+                  </a:schemeClr>
+                </a:solidFill>
+                <a:ea typeface="+mn-lt"/>
+                <a:cs typeface="+mn-lt"/>
+              </a:rPr>
+              <a:t>Como são seres humanos serão afetados pela adequação linguística no futuro? </a:t>
+            </a:r>
+            <a:endParaRPr lang="en-US" sz="2400" dirty="0">
+              <a:solidFill>
+                <a:schemeClr val="bg2">
+                  <a:lumMod val="25000"/>
+                </a:schemeClr>
+              </a:solidFill>
+              <a:ea typeface="+mn-lt"/>
+              <a:cs typeface="+mn-lt"/>
+            </a:endParaRPr>
+          </a:p>
+          <a:p>
+            <a:pPr algn="l"/>
             <a:endParaRPr lang="pt-BR" dirty="0"/>
           </a:p>
         </p:txBody>
@@ -4489,13 +4207,1937 @@
   <p:clrMapOvr>
     <a:masterClrMapping/>
   </p:clrMapOvr>
-  <p:timing>
-    <p:tnLst>
-      <p:par>
-        <p:cTn id="1" dur="indefinite" restart="never" nodeType="tmRoot"/>
-      </p:par>
-    </p:tnLst>
-  </p:timing>
+</p:sld>
+</file>
+
+<file path=ppt/slides/slide4.xml><?xml version="1.0" encoding="utf-8"?>
+<p:sld xmlns:a="http://schemas.openxmlformats.org/drawingml/2006/main" xmlns:r="http://schemas.openxmlformats.org/officeDocument/2006/relationships" xmlns:p="http://schemas.openxmlformats.org/presentationml/2006/main">
+  <p:cSld>
+    <p:spTree>
+      <p:nvGrpSpPr>
+        <p:cNvPr id="1" name=""/>
+        <p:cNvGrpSpPr/>
+        <p:nvPr/>
+      </p:nvGrpSpPr>
+      <p:grpSpPr>
+        <a:xfrm>
+          <a:off x="0" y="0"/>
+          <a:ext cx="0" cy="0"/>
+          <a:chOff x="0" y="0"/>
+          <a:chExt cx="0" cy="0"/>
+        </a:xfrm>
+      </p:grpSpPr>
+      <p:sp>
+        <p:nvSpPr>
+          <p:cNvPr id="2" name="Título 1">
+            <a:extLst>
+              <a:ext uri="{FF2B5EF4-FFF2-40B4-BE49-F238E27FC236}">
+                <a16:creationId xmlns:a16="http://schemas.microsoft.com/office/drawing/2014/main" id="{963320A9-9214-87A3-5A73-93ACE2ABD17B}"/>
+              </a:ext>
+            </a:extLst>
+          </p:cNvPr>
+          <p:cNvSpPr>
+            <a:spLocks noGrp="1"/>
+          </p:cNvSpPr>
+          <p:nvPr>
+            <p:ph type="title"/>
+          </p:nvPr>
+        </p:nvSpPr>
+        <p:spPr>
+          <a:xfrm>
+            <a:off x="1371600" y="685800"/>
+            <a:ext cx="9601200" cy="695146"/>
+          </a:xfrm>
+        </p:spPr>
+        <p:txBody>
+          <a:bodyPr vert="horz" lIns="91440" tIns="45720" rIns="91440" bIns="45720" rtlCol="0" anchor="ctr">
+            <a:normAutofit/>
+          </a:bodyPr>
+          <a:lstStyle/>
+          <a:p>
+            <a:pPr algn="ctr"/>
+            <a:r>
+              <a:rPr lang="pt-BR" sz="2400" dirty="0"/>
+              <a:t>Novas oportunidades na comunicação</a:t>
+            </a:r>
+            <a:endParaRPr lang="pt-BR" dirty="0"/>
+          </a:p>
+        </p:txBody>
+      </p:sp>
+      <p:sp>
+        <p:nvSpPr>
+          <p:cNvPr id="3" name="Espaço Reservado para Conteúdo 2">
+            <a:extLst>
+              <a:ext uri="{FF2B5EF4-FFF2-40B4-BE49-F238E27FC236}">
+                <a16:creationId xmlns:a16="http://schemas.microsoft.com/office/drawing/2014/main" id="{FCD7C24C-1E7C-32FD-14B6-5E22E063486A}"/>
+              </a:ext>
+            </a:extLst>
+          </p:cNvPr>
+          <p:cNvSpPr>
+            <a:spLocks noGrp="1"/>
+          </p:cNvSpPr>
+          <p:nvPr>
+            <p:ph idx="1"/>
+          </p:nvPr>
+        </p:nvSpPr>
+        <p:spPr>
+          <a:xfrm>
+            <a:off x="1371600" y="1797170"/>
+            <a:ext cx="9601200" cy="4573437"/>
+          </a:xfrm>
+        </p:spPr>
+        <p:txBody>
+          <a:bodyPr vert="horz" lIns="91440" tIns="45720" rIns="91440" bIns="45720" rtlCol="0" anchor="t">
+            <a:normAutofit/>
+          </a:bodyPr>
+          <a:lstStyle/>
+          <a:p>
+            <a:pPr marL="384175" indent="0">
+              <a:lnSpc>
+                <a:spcPct val="150000"/>
+              </a:lnSpc>
+              <a:buNone/>
+            </a:pPr>
+            <a:r>
+              <a:rPr lang="pt-BR" dirty="0">
+                <a:ea typeface="+mn-lt"/>
+                <a:cs typeface="+mn-lt"/>
+              </a:rPr>
+              <a:t>       A adequação linguística pode abrir novas oportunidades para os seres humanos se comunicarem. A tecnologia permitirá que as pessoas se comuniquem de forma fluida e eficaz, independentemente de onde elas estejam. Isso permitirá que as pessoas se conectem de forma mais profunda e compartilhem informações e experiências.</a:t>
+            </a:r>
+            <a:endParaRPr lang="pt-BR" dirty="0"/>
+          </a:p>
+          <a:p>
+            <a:pPr marL="384175" indent="0">
+              <a:lnSpc>
+                <a:spcPct val="150000"/>
+              </a:lnSpc>
+              <a:buNone/>
+            </a:pPr>
+            <a:r>
+              <a:rPr lang="pt-BR" dirty="0">
+                <a:ea typeface="+mn-lt"/>
+                <a:cs typeface="+mn-lt"/>
+              </a:rPr>
+              <a:t>       Além disso, a adequação linguística pode permitir que as pessoas se comuniquem com outras culturas e povos de forma mais eficaz. Isso criará um ambiente mais inclusivo e aberto, onde as pessoas podem compartilhar suas experiências e conhecimentos com outras pessoas de forma mais fácil.</a:t>
+            </a:r>
+            <a:endParaRPr lang="pt-BR" dirty="0"/>
+          </a:p>
+          <a:p>
+            <a:pPr marL="383540" indent="-383540"/>
+            <a:endParaRPr lang="pt-BR" dirty="0"/>
+          </a:p>
+        </p:txBody>
+      </p:sp>
+    </p:spTree>
+    <p:extLst>
+      <p:ext uri="{BB962C8B-B14F-4D97-AF65-F5344CB8AC3E}">
+        <p14:creationId xmlns:p14="http://schemas.microsoft.com/office/powerpoint/2010/main" val="3192750801"/>
+      </p:ext>
+    </p:extLst>
+  </p:cSld>
+  <p:clrMapOvr>
+    <a:masterClrMapping/>
+  </p:clrMapOvr>
+</p:sld>
+</file>
+
+<file path=ppt/slides/slide5.xml><?xml version="1.0" encoding="utf-8"?>
+<p:sld xmlns:a="http://schemas.openxmlformats.org/drawingml/2006/main" xmlns:r="http://schemas.openxmlformats.org/officeDocument/2006/relationships" xmlns:p="http://schemas.openxmlformats.org/presentationml/2006/main">
+  <p:cSld>
+    <p:spTree>
+      <p:nvGrpSpPr>
+        <p:cNvPr id="1" name=""/>
+        <p:cNvGrpSpPr/>
+        <p:nvPr/>
+      </p:nvGrpSpPr>
+      <p:grpSpPr>
+        <a:xfrm>
+          <a:off x="0" y="0"/>
+          <a:ext cx="0" cy="0"/>
+          <a:chOff x="0" y="0"/>
+          <a:chExt cx="0" cy="0"/>
+        </a:xfrm>
+      </p:grpSpPr>
+      <p:sp>
+        <p:nvSpPr>
+          <p:cNvPr id="2" name="Título 1">
+            <a:extLst>
+              <a:ext uri="{FF2B5EF4-FFF2-40B4-BE49-F238E27FC236}">
+                <a16:creationId xmlns:a16="http://schemas.microsoft.com/office/drawing/2014/main" id="{963320A9-9214-87A3-5A73-93ACE2ABD17B}"/>
+              </a:ext>
+            </a:extLst>
+          </p:cNvPr>
+          <p:cNvSpPr>
+            <a:spLocks noGrp="1"/>
+          </p:cNvSpPr>
+          <p:nvPr>
+            <p:ph type="title"/>
+          </p:nvPr>
+        </p:nvSpPr>
+        <p:spPr>
+          <a:xfrm>
+            <a:off x="1371600" y="685800"/>
+            <a:ext cx="9601200" cy="695146"/>
+          </a:xfrm>
+        </p:spPr>
+        <p:txBody>
+          <a:bodyPr vert="horz" lIns="91440" tIns="45720" rIns="91440" bIns="45720" rtlCol="0" anchor="ctr">
+            <a:normAutofit/>
+          </a:bodyPr>
+          <a:lstStyle/>
+          <a:p>
+            <a:pPr algn="ctr"/>
+            <a:r>
+              <a:rPr lang="pt-BR" sz="2400" dirty="0"/>
+              <a:t>Aprendizado de idiomas</a:t>
+            </a:r>
+            <a:endParaRPr lang="pt-BR" dirty="0"/>
+          </a:p>
+        </p:txBody>
+      </p:sp>
+      <p:sp>
+        <p:nvSpPr>
+          <p:cNvPr id="3" name="Espaço Reservado para Conteúdo 2">
+            <a:extLst>
+              <a:ext uri="{FF2B5EF4-FFF2-40B4-BE49-F238E27FC236}">
+                <a16:creationId xmlns:a16="http://schemas.microsoft.com/office/drawing/2014/main" id="{FCD7C24C-1E7C-32FD-14B6-5E22E063486A}"/>
+              </a:ext>
+            </a:extLst>
+          </p:cNvPr>
+          <p:cNvSpPr>
+            <a:spLocks noGrp="1"/>
+          </p:cNvSpPr>
+          <p:nvPr>
+            <p:ph idx="1"/>
+          </p:nvPr>
+        </p:nvSpPr>
+        <p:spPr>
+          <a:xfrm>
+            <a:off x="1371600" y="1797170"/>
+            <a:ext cx="9601200" cy="4573437"/>
+          </a:xfrm>
+        </p:spPr>
+        <p:txBody>
+          <a:bodyPr vert="horz" lIns="91440" tIns="45720" rIns="91440" bIns="45720" rtlCol="0" anchor="t">
+            <a:normAutofit/>
+          </a:bodyPr>
+          <a:lstStyle/>
+          <a:p>
+            <a:pPr marL="383540" indent="0">
+              <a:lnSpc>
+                <a:spcPct val="150000"/>
+              </a:lnSpc>
+              <a:buNone/>
+            </a:pPr>
+            <a:r>
+              <a:rPr lang="pt-BR" dirty="0">
+                <a:ea typeface="+mn-lt"/>
+                <a:cs typeface="+mn-lt"/>
+              </a:rPr>
+              <a:t>       A adequação linguística também pode ajudar as pessoas a aprenderem novos idiomas. A tecnologia permitirá que as pessoas aprendam novas línguas de forma mais eficaz e rápida. Isso permitirá que as pessoas se comuniquem de forma fluida e eficaz, independentemente de onde elas estejam.</a:t>
+            </a:r>
+            <a:endParaRPr lang="pt-BR" dirty="0"/>
+          </a:p>
+          <a:p>
+            <a:pPr marL="383540" indent="0">
+              <a:lnSpc>
+                <a:spcPct val="150000"/>
+              </a:lnSpc>
+              <a:buNone/>
+            </a:pPr>
+            <a:r>
+              <a:rPr lang="pt-BR" dirty="0">
+                <a:ea typeface="+mn-lt"/>
+                <a:cs typeface="+mn-lt"/>
+              </a:rPr>
+              <a:t>       Além disso, a adequação linguística permitirá que as pessoas se comuniquem de forma mais eficaz com outras culturas. Isso criará um ambiente mais inclusivo e aberto, onde as pessoas podem compartilhar suas experiências e conhecimentos com outras pessoas de forma mais fácil.</a:t>
+            </a:r>
+          </a:p>
+          <a:p>
+            <a:pPr marL="384175" indent="0">
+              <a:lnSpc>
+                <a:spcPct val="150000"/>
+              </a:lnSpc>
+              <a:buNone/>
+            </a:pPr>
+            <a:endParaRPr lang="pt-BR" dirty="0"/>
+          </a:p>
+          <a:p>
+            <a:pPr marL="383540" indent="-383540"/>
+            <a:endParaRPr lang="pt-BR" dirty="0"/>
+          </a:p>
+        </p:txBody>
+      </p:sp>
+    </p:spTree>
+    <p:extLst>
+      <p:ext uri="{BB962C8B-B14F-4D97-AF65-F5344CB8AC3E}">
+        <p14:creationId xmlns:p14="http://schemas.microsoft.com/office/powerpoint/2010/main" val="911958519"/>
+      </p:ext>
+    </p:extLst>
+  </p:cSld>
+  <p:clrMapOvr>
+    <a:masterClrMapping/>
+  </p:clrMapOvr>
+</p:sld>
+</file>
+
+<file path=ppt/slides/slide6.xml><?xml version="1.0" encoding="utf-8"?>
+<p:sld xmlns:a="http://schemas.openxmlformats.org/drawingml/2006/main" xmlns:r="http://schemas.openxmlformats.org/officeDocument/2006/relationships" xmlns:p="http://schemas.openxmlformats.org/presentationml/2006/main">
+  <p:cSld>
+    <p:spTree>
+      <p:nvGrpSpPr>
+        <p:cNvPr id="1" name=""/>
+        <p:cNvGrpSpPr/>
+        <p:nvPr/>
+      </p:nvGrpSpPr>
+      <p:grpSpPr>
+        <a:xfrm>
+          <a:off x="0" y="0"/>
+          <a:ext cx="0" cy="0"/>
+          <a:chOff x="0" y="0"/>
+          <a:chExt cx="0" cy="0"/>
+        </a:xfrm>
+      </p:grpSpPr>
+      <p:sp>
+        <p:nvSpPr>
+          <p:cNvPr id="2" name="Título 1">
+            <a:extLst>
+              <a:ext uri="{FF2B5EF4-FFF2-40B4-BE49-F238E27FC236}">
+                <a16:creationId xmlns:a16="http://schemas.microsoft.com/office/drawing/2014/main" id="{9DBEA4AB-2D0B-01FB-D28E-D6AC24819373}"/>
+              </a:ext>
+            </a:extLst>
+          </p:cNvPr>
+          <p:cNvSpPr>
+            <a:spLocks noGrp="1"/>
+          </p:cNvSpPr>
+          <p:nvPr>
+            <p:ph type="title"/>
+          </p:nvPr>
+        </p:nvSpPr>
+        <p:spPr>
+          <a:xfrm>
+            <a:off x="925902" y="671423"/>
+            <a:ext cx="11139574" cy="5813482"/>
+          </a:xfrm>
+        </p:spPr>
+        <p:txBody>
+          <a:bodyPr>
+            <a:normAutofit/>
+          </a:bodyPr>
+          <a:lstStyle/>
+          <a:p>
+            <a:pPr marL="384175">
+              <a:lnSpc>
+                <a:spcPct val="150000"/>
+              </a:lnSpc>
+              <a:spcBef>
+                <a:spcPts val="1000"/>
+              </a:spcBef>
+              <a:spcAft>
+                <a:spcPts val="200"/>
+              </a:spcAft>
+            </a:pPr>
+            <a:r>
+              <a:rPr lang="pt-BR" sz="2000" dirty="0"/>
+              <a:t>       Para realizar uma comunicação há vários fatores para serem atribuídos, dentre eles: </a:t>
+            </a:r>
+            <a:br>
+              <a:rPr lang="pt-BR" sz="2000" dirty="0"/>
+            </a:br>
+            <a:r>
+              <a:rPr lang="pt-BR" sz="2000" b="1" dirty="0"/>
+              <a:t>Interlocutores: </a:t>
+            </a:r>
+            <a:r>
+              <a:rPr lang="pt-BR" sz="2000" dirty="0"/>
+              <a:t>Considerar seu parceiro de comunicação, para não utilizar o nível de fala inadequado, para que consiga realizar um sentido na comunicação</a:t>
+            </a:r>
+            <a:br>
+              <a:rPr lang="pt-BR" sz="2000" b="1" dirty="0"/>
+            </a:br>
+            <a:r>
+              <a:rPr lang="pt-BR" sz="2000" b="1" dirty="0"/>
+              <a:t>Ambiente: </a:t>
+            </a:r>
+            <a:r>
+              <a:rPr lang="pt-BR" sz="2000" dirty="0"/>
+              <a:t>É importante prestar atenção em relação ao ambiente, não se comunica com alguém em um jogo de futebol do mesmo modo que em uma igreja</a:t>
+            </a:r>
+            <a:br>
+              <a:rPr lang="pt-BR" sz="2000" b="1" dirty="0"/>
+            </a:br>
+            <a:r>
+              <a:rPr lang="pt-BR" sz="2000" b="1" dirty="0"/>
+              <a:t>Assunto: </a:t>
+            </a:r>
+            <a:r>
+              <a:rPr lang="pt-BR" sz="2000" dirty="0"/>
+              <a:t>É preciso se adequar ao que será dito, logo, não se convida alguém para uma festa como se convida alguém para um almoço em família.</a:t>
+            </a:r>
+            <a:br>
+              <a:rPr lang="pt-BR" sz="2000" b="1" dirty="0"/>
+            </a:br>
+            <a:r>
+              <a:rPr lang="pt-BR" sz="2000" b="1" dirty="0"/>
+              <a:t>Relação falante-ouvinte: </a:t>
+            </a:r>
+            <a:r>
+              <a:rPr lang="pt-BR" sz="2000" dirty="0"/>
+              <a:t>Considere a sua intimidade com o emissor/receptor, não se comunica com alguém que você conheceu a uns dias atrás de um amigo de longa data</a:t>
+            </a:r>
+            <a:br>
+              <a:rPr lang="pt-BR" sz="2000" b="1" dirty="0"/>
+            </a:br>
+            <a:r>
+              <a:rPr lang="pt-BR" sz="2000" b="1" dirty="0"/>
+              <a:t>Intencionalidade: </a:t>
+            </a:r>
+            <a:r>
+              <a:rPr lang="pt-BR" sz="2000" dirty="0"/>
+              <a:t>Não escrevemos as nossas intenções no mesmo nível de fala, por exemplo, escrever uma carta de amor e uma solicitação de emprego</a:t>
+            </a:r>
+          </a:p>
+        </p:txBody>
+      </p:sp>
+    </p:spTree>
+    <p:extLst>
+      <p:ext uri="{BB962C8B-B14F-4D97-AF65-F5344CB8AC3E}">
+        <p14:creationId xmlns:p14="http://schemas.microsoft.com/office/powerpoint/2010/main" val="3612404319"/>
+      </p:ext>
+    </p:extLst>
+  </p:cSld>
+  <p:clrMapOvr>
+    <a:masterClrMapping/>
+  </p:clrMapOvr>
+</p:sld>
+</file>
+
+<file path=ppt/slides/slide7.xml><?xml version="1.0" encoding="utf-8"?>
+<p:sld xmlns:a="http://schemas.openxmlformats.org/drawingml/2006/main" xmlns:r="http://schemas.openxmlformats.org/officeDocument/2006/relationships" xmlns:p="http://schemas.openxmlformats.org/presentationml/2006/main">
+  <p:cSld>
+    <p:bg>
+      <p:bgPr>
+        <a:solidFill>
+          <a:schemeClr val="bg2"/>
+        </a:solidFill>
+        <a:effectLst/>
+      </p:bgPr>
+    </p:bg>
+    <p:spTree>
+      <p:nvGrpSpPr>
+        <p:cNvPr id="1" name=""/>
+        <p:cNvGrpSpPr/>
+        <p:nvPr/>
+      </p:nvGrpSpPr>
+      <p:grpSpPr>
+        <a:xfrm>
+          <a:off x="0" y="0"/>
+          <a:ext cx="0" cy="0"/>
+          <a:chOff x="0" y="0"/>
+          <a:chExt cx="0" cy="0"/>
+        </a:xfrm>
+      </p:grpSpPr>
+      <p:grpSp>
+        <p:nvGrpSpPr>
+          <p:cNvPr id="21" name="Group 20">
+            <a:extLst>
+              <a:ext uri="{FF2B5EF4-FFF2-40B4-BE49-F238E27FC236}">
+                <a16:creationId xmlns:a16="http://schemas.microsoft.com/office/drawing/2014/main" id="{449BC34D-9C23-4D6D-8213-1F471AF85B3F}"/>
+              </a:ext>
+              <a:ext uri="{C183D7F6-B498-43B3-948B-1728B52AA6E4}">
+                <adec:decorative xmlns:adec="http://schemas.microsoft.com/office/drawing/2017/decorative" val="1"/>
+              </a:ext>
+            </a:extLst>
+          </p:cNvPr>
+          <p:cNvGrpSpPr>
+            <a:grpSpLocks noGrp="1" noUngrp="1" noRot="1" noChangeAspect="1" noMove="1" noResize="1"/>
+          </p:cNvGrpSpPr>
+          <p:nvPr>
+            <p:extLst>
+              <p:ext uri="{386F3935-93C4-4BCD-93E2-E3B085C9AB24}">
+                <p16:designElem xmlns:p16="http://schemas.microsoft.com/office/powerpoint/2015/main" val="1"/>
+              </p:ext>
+            </p:extLst>
+          </p:nvPr>
+        </p:nvGrpSpPr>
+        <p:grpSpPr>
+          <a:xfrm>
+            <a:off x="752858" y="744469"/>
+            <a:ext cx="10674117" cy="5349671"/>
+            <a:chOff x="752858" y="744469"/>
+            <a:chExt cx="10674117" cy="5349671"/>
+          </a:xfrm>
+        </p:grpSpPr>
+        <p:sp>
+          <p:nvSpPr>
+            <p:cNvPr id="22" name="Freeform 6">
+              <a:extLst>
+                <a:ext uri="{FF2B5EF4-FFF2-40B4-BE49-F238E27FC236}">
+                  <a16:creationId xmlns:a16="http://schemas.microsoft.com/office/drawing/2014/main" id="{FA0F5D6C-5025-4D7E-82DD-C2C6FDA1E759}"/>
+                </a:ext>
+                <a:ext uri="{C183D7F6-B498-43B3-948B-1728B52AA6E4}">
+                  <adec:decorative xmlns:adec="http://schemas.microsoft.com/office/drawing/2017/decorative" val="1"/>
+                </a:ext>
+              </a:extLst>
+            </p:cNvPr>
+            <p:cNvSpPr/>
+            <p:nvPr>
+              <p:extLst>
+                <p:ext uri="{386F3935-93C4-4BCD-93E2-E3B085C9AB24}">
+                  <p16:designElem xmlns:p16="http://schemas.microsoft.com/office/powerpoint/2015/main" val="1"/>
+                </p:ext>
+              </p:extLst>
+            </p:nvPr>
+          </p:nvSpPr>
+          <p:spPr bwMode="auto">
+            <a:xfrm>
+              <a:off x="8151962" y="1685652"/>
+              <a:ext cx="3275013" cy="4408488"/>
+            </a:xfrm>
+            <a:custGeom>
+              <a:avLst/>
+              <a:gdLst/>
+              <a:ahLst/>
+              <a:cxnLst/>
+              <a:rect l="l" t="t" r="r" b="b"/>
+              <a:pathLst>
+                <a:path w="10000" h="10000">
+                  <a:moveTo>
+                    <a:pt x="8761" y="0"/>
+                  </a:moveTo>
+                  <a:lnTo>
+                    <a:pt x="10000" y="0"/>
+                  </a:lnTo>
+                  <a:lnTo>
+                    <a:pt x="10000" y="10000"/>
+                  </a:lnTo>
+                  <a:lnTo>
+                    <a:pt x="0" y="10000"/>
+                  </a:lnTo>
+                  <a:lnTo>
+                    <a:pt x="0" y="9126"/>
+                  </a:lnTo>
+                  <a:lnTo>
+                    <a:pt x="8761" y="9127"/>
+                  </a:lnTo>
+                  <a:lnTo>
+                    <a:pt x="8761" y="0"/>
+                  </a:lnTo>
+                  <a:close/>
+                </a:path>
+              </a:pathLst>
+            </a:custGeom>
+            <a:solidFill>
+              <a:schemeClr val="tx2"/>
+            </a:solidFill>
+            <a:ln w="0">
+              <a:noFill/>
+              <a:prstDash val="solid"/>
+              <a:round/>
+              <a:headEnd/>
+              <a:tailEnd/>
+            </a:ln>
+          </p:spPr>
+        </p:sp>
+        <p:sp>
+          <p:nvSpPr>
+            <p:cNvPr id="23" name="Freeform 6">
+              <a:extLst>
+                <a:ext uri="{FF2B5EF4-FFF2-40B4-BE49-F238E27FC236}">
+                  <a16:creationId xmlns:a16="http://schemas.microsoft.com/office/drawing/2014/main" id="{E2AF2C17-4AB4-4402-B84B-129EF95D161C}"/>
+                </a:ext>
+                <a:ext uri="{C183D7F6-B498-43B3-948B-1728B52AA6E4}">
+                  <adec:decorative xmlns:adec="http://schemas.microsoft.com/office/drawing/2017/decorative" val="1"/>
+                </a:ext>
+              </a:extLst>
+            </p:cNvPr>
+            <p:cNvSpPr/>
+            <p:nvPr>
+              <p:extLst>
+                <p:ext uri="{386F3935-93C4-4BCD-93E2-E3B085C9AB24}">
+                  <p16:designElem xmlns:p16="http://schemas.microsoft.com/office/powerpoint/2015/main" val="1"/>
+                </p:ext>
+              </p:extLst>
+            </p:nvPr>
+          </p:nvSpPr>
+          <p:spPr bwMode="auto">
+            <a:xfrm flipH="1" flipV="1">
+              <a:off x="752858" y="744469"/>
+              <a:ext cx="3275668" cy="4408488"/>
+            </a:xfrm>
+            <a:custGeom>
+              <a:avLst/>
+              <a:gdLst/>
+              <a:ahLst/>
+              <a:cxnLst/>
+              <a:rect l="l" t="t" r="r" b="b"/>
+              <a:pathLst>
+                <a:path w="10002" h="10000">
+                  <a:moveTo>
+                    <a:pt x="8763" y="0"/>
+                  </a:moveTo>
+                  <a:lnTo>
+                    <a:pt x="10002" y="0"/>
+                  </a:lnTo>
+                  <a:lnTo>
+                    <a:pt x="10002" y="10000"/>
+                  </a:lnTo>
+                  <a:lnTo>
+                    <a:pt x="2" y="10000"/>
+                  </a:lnTo>
+                  <a:cubicBezTo>
+                    <a:pt x="-2" y="9698"/>
+                    <a:pt x="4" y="9427"/>
+                    <a:pt x="0" y="9125"/>
+                  </a:cubicBezTo>
+                  <a:lnTo>
+                    <a:pt x="8763" y="9128"/>
+                  </a:lnTo>
+                  <a:lnTo>
+                    <a:pt x="8763" y="0"/>
+                  </a:lnTo>
+                  <a:close/>
+                </a:path>
+              </a:pathLst>
+            </a:custGeom>
+            <a:solidFill>
+              <a:schemeClr val="tx2"/>
+            </a:solidFill>
+            <a:ln w="0">
+              <a:noFill/>
+              <a:prstDash val="solid"/>
+              <a:round/>
+              <a:headEnd/>
+              <a:tailEnd/>
+            </a:ln>
+          </p:spPr>
+        </p:sp>
+      </p:grpSp>
+      <p:sp useBgFill="1">
+        <p:nvSpPr>
+          <p:cNvPr id="25" name="Rectangle 24">
+            <a:extLst>
+              <a:ext uri="{FF2B5EF4-FFF2-40B4-BE49-F238E27FC236}">
+                <a16:creationId xmlns:a16="http://schemas.microsoft.com/office/drawing/2014/main" id="{1F9A0C1C-8ABC-401B-8FE9-AC9327C4C587}"/>
+              </a:ext>
+              <a:ext uri="{C183D7F6-B498-43B3-948B-1728B52AA6E4}">
+                <adec:decorative xmlns:adec="http://schemas.microsoft.com/office/drawing/2017/decorative" val="1"/>
+              </a:ext>
+            </a:extLst>
+          </p:cNvPr>
+          <p:cNvSpPr>
+            <a:spLocks noGrp="1" noRot="1" noChangeAspect="1" noMove="1" noResize="1" noEditPoints="1" noAdjustHandles="1" noChangeArrowheads="1" noChangeShapeType="1" noTextEdit="1"/>
+          </p:cNvSpPr>
+          <p:nvPr>
+            <p:extLst>
+              <p:ext uri="{386F3935-93C4-4BCD-93E2-E3B085C9AB24}">
+                <p16:designElem xmlns:p16="http://schemas.microsoft.com/office/powerpoint/2015/main" val="1"/>
+              </p:ext>
+            </p:extLst>
+          </p:nvPr>
+        </p:nvSpPr>
+        <p:spPr>
+          <a:xfrm>
+            <a:off x="0" y="0"/>
+            <a:ext cx="12192000" cy="6858000"/>
+          </a:xfrm>
+          <a:prstGeom prst="rect">
+            <a:avLst/>
+          </a:prstGeom>
+          <a:ln>
+            <a:noFill/>
+          </a:ln>
+        </p:spPr>
+        <p:style>
+          <a:lnRef idx="2">
+            <a:schemeClr val="accent1">
+              <a:shade val="50000"/>
+            </a:schemeClr>
+          </a:lnRef>
+          <a:fillRef idx="1001">
+            <a:schemeClr val="lt2"/>
+          </a:fillRef>
+          <a:effectRef idx="0">
+            <a:schemeClr val="accent1"/>
+          </a:effectRef>
+          <a:fontRef idx="minor">
+            <a:schemeClr val="lt1"/>
+          </a:fontRef>
+        </p:style>
+        <p:txBody>
+          <a:bodyPr rtlCol="0" anchor="ctr"/>
+          <a:lstStyle/>
+          <a:p>
+            <a:pPr algn="ctr"/>
+            <a:endParaRPr lang="en-US"/>
+          </a:p>
+        </p:txBody>
+      </p:sp>
+      <p:sp>
+        <p:nvSpPr>
+          <p:cNvPr id="2" name="Título 1">
+            <a:extLst>
+              <a:ext uri="{FF2B5EF4-FFF2-40B4-BE49-F238E27FC236}">
+                <a16:creationId xmlns:a16="http://schemas.microsoft.com/office/drawing/2014/main" id="{E6EAEEFC-F6F2-3A23-4E26-0D04A66D5EC8}"/>
+              </a:ext>
+            </a:extLst>
+          </p:cNvPr>
+          <p:cNvSpPr>
+            <a:spLocks noGrp="1"/>
+          </p:cNvSpPr>
+          <p:nvPr>
+            <p:ph type="title"/>
+          </p:nvPr>
+        </p:nvSpPr>
+        <p:spPr>
+          <a:xfrm>
+            <a:off x="7305922" y="432744"/>
+            <a:ext cx="4736168" cy="2065062"/>
+          </a:xfrm>
+        </p:spPr>
+        <p:txBody>
+          <a:bodyPr vert="horz" lIns="91440" tIns="45720" rIns="91440" bIns="45720" rtlCol="0" anchor="b">
+            <a:normAutofit/>
+          </a:bodyPr>
+          <a:lstStyle/>
+          <a:p>
+            <a:pPr marL="384175" algn="ctr">
+              <a:spcAft>
+                <a:spcPts val="200"/>
+              </a:spcAft>
+            </a:pPr>
+            <a:r>
+              <a:rPr lang="pt-BR" sz="3600" cap="all" dirty="0"/>
+              <a:t>Para ilustrar melhor, alguns exemplos de adequação: </a:t>
+            </a:r>
+          </a:p>
+        </p:txBody>
+      </p:sp>
+      <p:sp>
+        <p:nvSpPr>
+          <p:cNvPr id="27" name="Freeform 6">
+            <a:extLst>
+              <a:ext uri="{FF2B5EF4-FFF2-40B4-BE49-F238E27FC236}">
+                <a16:creationId xmlns:a16="http://schemas.microsoft.com/office/drawing/2014/main" id="{BA5783C3-2F96-40A7-A24F-30CB07AA3928}"/>
+              </a:ext>
+              <a:ext uri="{C183D7F6-B498-43B3-948B-1728B52AA6E4}">
+                <adec:decorative xmlns:adec="http://schemas.microsoft.com/office/drawing/2017/decorative" val="1"/>
+              </a:ext>
+            </a:extLst>
+          </p:cNvPr>
+          <p:cNvSpPr>
+            <a:spLocks noGrp="1" noRot="1" noChangeAspect="1" noMove="1" noResize="1" noEditPoints="1" noAdjustHandles="1" noChangeArrowheads="1" noChangeShapeType="1" noTextEdit="1"/>
+          </p:cNvSpPr>
+          <p:nvPr>
+            <p:extLst>
+              <p:ext uri="{386F3935-93C4-4BCD-93E2-E3B085C9AB24}">
+                <p16:designElem xmlns:p16="http://schemas.microsoft.com/office/powerpoint/2015/main" val="1"/>
+              </p:ext>
+            </p:extLst>
+          </p:nvPr>
+        </p:nvSpPr>
+        <p:spPr bwMode="auto">
+          <a:xfrm flipH="1" flipV="1">
+            <a:off x="649163" y="634028"/>
+            <a:ext cx="3275668" cy="4408488"/>
+          </a:xfrm>
+          <a:custGeom>
+            <a:avLst/>
+            <a:gdLst/>
+            <a:ahLst/>
+            <a:cxnLst/>
+            <a:rect l="l" t="t" r="r" b="b"/>
+            <a:pathLst>
+              <a:path w="10002" h="10000">
+                <a:moveTo>
+                  <a:pt x="8763" y="0"/>
+                </a:moveTo>
+                <a:lnTo>
+                  <a:pt x="10002" y="0"/>
+                </a:lnTo>
+                <a:lnTo>
+                  <a:pt x="10002" y="10000"/>
+                </a:lnTo>
+                <a:lnTo>
+                  <a:pt x="2" y="10000"/>
+                </a:lnTo>
+                <a:cubicBezTo>
+                  <a:pt x="-2" y="9698"/>
+                  <a:pt x="4" y="9427"/>
+                  <a:pt x="0" y="9125"/>
+                </a:cubicBezTo>
+                <a:lnTo>
+                  <a:pt x="8763" y="9128"/>
+                </a:lnTo>
+                <a:lnTo>
+                  <a:pt x="8763" y="0"/>
+                </a:lnTo>
+                <a:close/>
+              </a:path>
+            </a:pathLst>
+          </a:custGeom>
+          <a:solidFill>
+            <a:schemeClr val="tx2"/>
+          </a:solidFill>
+          <a:ln w="0">
+            <a:noFill/>
+            <a:prstDash val="solid"/>
+            <a:round/>
+            <a:headEnd/>
+            <a:tailEnd/>
+          </a:ln>
+        </p:spPr>
+      </p:sp>
+      <p:sp>
+        <p:nvSpPr>
+          <p:cNvPr id="29" name="Freeform 6">
+            <a:extLst>
+              <a:ext uri="{FF2B5EF4-FFF2-40B4-BE49-F238E27FC236}">
+                <a16:creationId xmlns:a16="http://schemas.microsoft.com/office/drawing/2014/main" id="{A9D08DBA-0326-4C4E-ACFB-576F3ABDD2D0}"/>
+              </a:ext>
+              <a:ext uri="{C183D7F6-B498-43B3-948B-1728B52AA6E4}">
+                <adec:decorative xmlns:adec="http://schemas.microsoft.com/office/drawing/2017/decorative" val="1"/>
+              </a:ext>
+            </a:extLst>
+          </p:cNvPr>
+          <p:cNvSpPr>
+            <a:spLocks noGrp="1" noRot="1" noChangeAspect="1" noMove="1" noResize="1" noEditPoints="1" noAdjustHandles="1" noChangeArrowheads="1" noChangeShapeType="1" noTextEdit="1"/>
+          </p:cNvSpPr>
+          <p:nvPr>
+            <p:extLst>
+              <p:ext uri="{386F3935-93C4-4BCD-93E2-E3B085C9AB24}">
+                <p16:designElem xmlns:p16="http://schemas.microsoft.com/office/powerpoint/2015/main" val="1"/>
+              </p:ext>
+            </p:extLst>
+          </p:nvPr>
+        </p:nvSpPr>
+        <p:spPr bwMode="auto">
+          <a:xfrm>
+            <a:off x="4494670" y="2016617"/>
+            <a:ext cx="3275013" cy="4408488"/>
+          </a:xfrm>
+          <a:custGeom>
+            <a:avLst/>
+            <a:gdLst/>
+            <a:ahLst/>
+            <a:cxnLst/>
+            <a:rect l="l" t="t" r="r" b="b"/>
+            <a:pathLst>
+              <a:path w="10000" h="10000">
+                <a:moveTo>
+                  <a:pt x="8761" y="0"/>
+                </a:moveTo>
+                <a:lnTo>
+                  <a:pt x="10000" y="0"/>
+                </a:lnTo>
+                <a:lnTo>
+                  <a:pt x="10000" y="10000"/>
+                </a:lnTo>
+                <a:lnTo>
+                  <a:pt x="0" y="10000"/>
+                </a:lnTo>
+                <a:lnTo>
+                  <a:pt x="0" y="9126"/>
+                </a:lnTo>
+                <a:lnTo>
+                  <a:pt x="8761" y="9127"/>
+                </a:lnTo>
+                <a:lnTo>
+                  <a:pt x="8761" y="0"/>
+                </a:lnTo>
+                <a:close/>
+              </a:path>
+            </a:pathLst>
+          </a:custGeom>
+          <a:solidFill>
+            <a:schemeClr val="tx2"/>
+          </a:solidFill>
+          <a:ln w="0">
+            <a:noFill/>
+            <a:prstDash val="solid"/>
+            <a:round/>
+            <a:headEnd/>
+            <a:tailEnd/>
+          </a:ln>
+        </p:spPr>
+      </p:sp>
+      <p:pic>
+        <p:nvPicPr>
+          <p:cNvPr id="5" name="Imagem 5">
+            <a:extLst>
+              <a:ext uri="{FF2B5EF4-FFF2-40B4-BE49-F238E27FC236}">
+                <a16:creationId xmlns:a16="http://schemas.microsoft.com/office/drawing/2014/main" id="{293475E5-804E-FF9A-83B1-B3E2509C9F9A}"/>
+              </a:ext>
+            </a:extLst>
+          </p:cNvPr>
+          <p:cNvPicPr>
+            <a:picLocks noChangeAspect="1"/>
+          </p:cNvPicPr>
+          <p:nvPr/>
+        </p:nvPicPr>
+        <p:blipFill>
+          <a:blip r:embed="rId2"/>
+          <a:stretch>
+            <a:fillRect/>
+          </a:stretch>
+        </p:blipFill>
+        <p:spPr>
+          <a:xfrm>
+            <a:off x="1379023" y="1406388"/>
+            <a:ext cx="5659222" cy="4244416"/>
+          </a:xfrm>
+          <a:prstGeom prst="rect">
+            <a:avLst/>
+          </a:prstGeom>
+        </p:spPr>
+      </p:pic>
+    </p:spTree>
+    <p:extLst>
+      <p:ext uri="{BB962C8B-B14F-4D97-AF65-F5344CB8AC3E}">
+        <p14:creationId xmlns:p14="http://schemas.microsoft.com/office/powerpoint/2010/main" val="3774463857"/>
+      </p:ext>
+    </p:extLst>
+  </p:cSld>
+  <p:clrMapOvr>
+    <a:masterClrMapping/>
+  </p:clrMapOvr>
+</p:sld>
+</file>
+
+<file path=ppt/slides/slide8.xml><?xml version="1.0" encoding="utf-8"?>
+<p:sld xmlns:a="http://schemas.openxmlformats.org/drawingml/2006/main" xmlns:r="http://schemas.openxmlformats.org/officeDocument/2006/relationships" xmlns:p="http://schemas.openxmlformats.org/presentationml/2006/main">
+  <p:cSld>
+    <p:bg>
+      <p:bgPr>
+        <a:solidFill>
+          <a:schemeClr val="bg2"/>
+        </a:solidFill>
+        <a:effectLst/>
+      </p:bgPr>
+    </p:bg>
+    <p:spTree>
+      <p:nvGrpSpPr>
+        <p:cNvPr id="1" name=""/>
+        <p:cNvGrpSpPr/>
+        <p:nvPr/>
+      </p:nvGrpSpPr>
+      <p:grpSpPr>
+        <a:xfrm>
+          <a:off x="0" y="0"/>
+          <a:ext cx="0" cy="0"/>
+          <a:chOff x="0" y="0"/>
+          <a:chExt cx="0" cy="0"/>
+        </a:xfrm>
+      </p:grpSpPr>
+      <p:sp>
+        <p:nvSpPr>
+          <p:cNvPr id="17" name="Rectangle 16">
+            <a:extLst>
+              <a:ext uri="{FF2B5EF4-FFF2-40B4-BE49-F238E27FC236}">
+                <a16:creationId xmlns:a16="http://schemas.microsoft.com/office/drawing/2014/main" id="{9E8A3474-A3A2-4200-9E98-3433E3D193E2}"/>
+              </a:ext>
+              <a:ext uri="{C183D7F6-B498-43B3-948B-1728B52AA6E4}">
+                <adec:decorative xmlns:adec="http://schemas.microsoft.com/office/drawing/2017/decorative" val="1"/>
+              </a:ext>
+            </a:extLst>
+          </p:cNvPr>
+          <p:cNvSpPr>
+            <a:spLocks noGrp="1" noRot="1" noChangeAspect="1" noMove="1" noResize="1" noEditPoints="1" noAdjustHandles="1" noChangeArrowheads="1" noChangeShapeType="1" noTextEdit="1"/>
+          </p:cNvSpPr>
+          <p:nvPr>
+            <p:extLst>
+              <p:ext uri="{386F3935-93C4-4BCD-93E2-E3B085C9AB24}">
+                <p16:designElem xmlns:p16="http://schemas.microsoft.com/office/powerpoint/2015/main" val="1"/>
+              </p:ext>
+            </p:extLst>
+          </p:nvPr>
+        </p:nvSpPr>
+        <p:spPr>
+          <a:xfrm>
+            <a:off x="478095" y="376"/>
+            <a:ext cx="228600" cy="6858000"/>
+          </a:xfrm>
+          <a:prstGeom prst="rect">
+            <a:avLst/>
+          </a:prstGeom>
+          <a:solidFill>
+            <a:schemeClr val="tx2"/>
+          </a:solidFill>
+          <a:ln>
+            <a:noFill/>
+          </a:ln>
+        </p:spPr>
+        <p:style>
+          <a:lnRef idx="2">
+            <a:schemeClr val="accent1">
+              <a:shade val="50000"/>
+            </a:schemeClr>
+          </a:lnRef>
+          <a:fillRef idx="1">
+            <a:schemeClr val="accent1"/>
+          </a:fillRef>
+          <a:effectRef idx="0">
+            <a:schemeClr val="accent1"/>
+          </a:effectRef>
+          <a:fontRef idx="minor">
+            <a:schemeClr val="lt1"/>
+          </a:fontRef>
+        </p:style>
+      </p:sp>
+      <p:sp>
+        <p:nvSpPr>
+          <p:cNvPr id="19" name="Rectangle 18">
+            <a:extLst>
+              <a:ext uri="{FF2B5EF4-FFF2-40B4-BE49-F238E27FC236}">
+                <a16:creationId xmlns:a16="http://schemas.microsoft.com/office/drawing/2014/main" id="{9A5A698B-F644-41A9-BD67-6316EDB7A951}"/>
+              </a:ext>
+              <a:ext uri="{C183D7F6-B498-43B3-948B-1728B52AA6E4}">
+                <adec:decorative xmlns:adec="http://schemas.microsoft.com/office/drawing/2017/decorative" val="1"/>
+              </a:ext>
+            </a:extLst>
+          </p:cNvPr>
+          <p:cNvSpPr>
+            <a:spLocks noGrp="1" noRot="1" noChangeAspect="1" noMove="1" noResize="1" noEditPoints="1" noAdjustHandles="1" noChangeArrowheads="1" noChangeShapeType="1" noTextEdit="1"/>
+          </p:cNvSpPr>
+          <p:nvPr>
+            <p:extLst>
+              <p:ext uri="{386F3935-93C4-4BCD-93E2-E3B085C9AB24}">
+                <p16:designElem xmlns:p16="http://schemas.microsoft.com/office/powerpoint/2015/main" val="1"/>
+              </p:ext>
+            </p:extLst>
+          </p:nvPr>
+        </p:nvSpPr>
+        <p:spPr>
+          <a:xfrm>
+            <a:off x="0" y="0"/>
+            <a:ext cx="12192000" cy="6858000"/>
+          </a:xfrm>
+          <a:prstGeom prst="rect">
+            <a:avLst/>
+          </a:prstGeom>
+          <a:solidFill>
+            <a:schemeClr val="bg2"/>
+          </a:solidFill>
+          <a:ln>
+            <a:noFill/>
+          </a:ln>
+        </p:spPr>
+        <p:style>
+          <a:lnRef idx="2">
+            <a:schemeClr val="accent1">
+              <a:shade val="50000"/>
+            </a:schemeClr>
+          </a:lnRef>
+          <a:fillRef idx="1">
+            <a:schemeClr val="accent1"/>
+          </a:fillRef>
+          <a:effectRef idx="0">
+            <a:schemeClr val="accent1"/>
+          </a:effectRef>
+          <a:fontRef idx="minor">
+            <a:schemeClr val="lt1"/>
+          </a:fontRef>
+        </p:style>
+        <p:txBody>
+          <a:bodyPr rtlCol="0" anchor="ctr"/>
+          <a:lstStyle/>
+          <a:p>
+            <a:pPr algn="ctr"/>
+            <a:endParaRPr lang="en-US"/>
+          </a:p>
+        </p:txBody>
+      </p:sp>
+      <p:grpSp>
+        <p:nvGrpSpPr>
+          <p:cNvPr id="21" name="Group 20">
+            <a:extLst>
+              <a:ext uri="{FF2B5EF4-FFF2-40B4-BE49-F238E27FC236}">
+                <a16:creationId xmlns:a16="http://schemas.microsoft.com/office/drawing/2014/main" id="{BA916D8B-8E5E-442C-93D2-F10B324962F3}"/>
+              </a:ext>
+              <a:ext uri="{C183D7F6-B498-43B3-948B-1728B52AA6E4}">
+                <adec:decorative xmlns:adec="http://schemas.microsoft.com/office/drawing/2017/decorative" val="1"/>
+              </a:ext>
+            </a:extLst>
+          </p:cNvPr>
+          <p:cNvGrpSpPr>
+            <a:grpSpLocks noGrp="1" noUngrp="1" noRot="1" noChangeAspect="1" noMove="1" noResize="1"/>
+          </p:cNvGrpSpPr>
+          <p:nvPr>
+            <p:extLst>
+              <p:ext uri="{386F3935-93C4-4BCD-93E2-E3B085C9AB24}">
+                <p16:designElem xmlns:p16="http://schemas.microsoft.com/office/powerpoint/2015/main" val="1"/>
+              </p:ext>
+            </p:extLst>
+          </p:nvPr>
+        </p:nvGrpSpPr>
+        <p:grpSpPr>
+          <a:xfrm>
+            <a:off x="752858" y="744469"/>
+            <a:ext cx="10674117" cy="5349671"/>
+            <a:chOff x="752858" y="744469"/>
+            <a:chExt cx="10674117" cy="5349671"/>
+          </a:xfrm>
+        </p:grpSpPr>
+        <p:sp>
+          <p:nvSpPr>
+            <p:cNvPr id="22" name="Freeform 6">
+              <a:extLst>
+                <a:ext uri="{FF2B5EF4-FFF2-40B4-BE49-F238E27FC236}">
+                  <a16:creationId xmlns:a16="http://schemas.microsoft.com/office/drawing/2014/main" id="{E444B8DA-C76F-4B2F-AFC5-378726411B52}"/>
+                </a:ext>
+                <a:ext uri="{C183D7F6-B498-43B3-948B-1728B52AA6E4}">
+                  <adec:decorative xmlns:adec="http://schemas.microsoft.com/office/drawing/2017/decorative" val="1"/>
+                </a:ext>
+              </a:extLst>
+            </p:cNvPr>
+            <p:cNvSpPr/>
+            <p:nvPr>
+              <p:extLst>
+                <p:ext uri="{386F3935-93C4-4BCD-93E2-E3B085C9AB24}">
+                  <p16:designElem xmlns:p16="http://schemas.microsoft.com/office/powerpoint/2015/main" val="1"/>
+                </p:ext>
+              </p:extLst>
+            </p:nvPr>
+          </p:nvSpPr>
+          <p:spPr bwMode="auto">
+            <a:xfrm>
+              <a:off x="8151962" y="1685652"/>
+              <a:ext cx="3275013" cy="4408488"/>
+            </a:xfrm>
+            <a:custGeom>
+              <a:avLst/>
+              <a:gdLst/>
+              <a:ahLst/>
+              <a:cxnLst/>
+              <a:rect l="l" t="t" r="r" b="b"/>
+              <a:pathLst>
+                <a:path w="10000" h="10000">
+                  <a:moveTo>
+                    <a:pt x="8761" y="0"/>
+                  </a:moveTo>
+                  <a:lnTo>
+                    <a:pt x="10000" y="0"/>
+                  </a:lnTo>
+                  <a:lnTo>
+                    <a:pt x="10000" y="10000"/>
+                  </a:lnTo>
+                  <a:lnTo>
+                    <a:pt x="0" y="10000"/>
+                  </a:lnTo>
+                  <a:lnTo>
+                    <a:pt x="0" y="9126"/>
+                  </a:lnTo>
+                  <a:lnTo>
+                    <a:pt x="8761" y="9127"/>
+                  </a:lnTo>
+                  <a:lnTo>
+                    <a:pt x="8761" y="0"/>
+                  </a:lnTo>
+                  <a:close/>
+                </a:path>
+              </a:pathLst>
+            </a:custGeom>
+            <a:solidFill>
+              <a:schemeClr val="tx2"/>
+            </a:solidFill>
+            <a:ln w="0">
+              <a:noFill/>
+              <a:prstDash val="solid"/>
+              <a:round/>
+              <a:headEnd/>
+              <a:tailEnd/>
+            </a:ln>
+          </p:spPr>
+        </p:sp>
+        <p:sp>
+          <p:nvSpPr>
+            <p:cNvPr id="23" name="Freeform 6">
+              <a:extLst>
+                <a:ext uri="{FF2B5EF4-FFF2-40B4-BE49-F238E27FC236}">
+                  <a16:creationId xmlns:a16="http://schemas.microsoft.com/office/drawing/2014/main" id="{7E2B20CB-FF0A-40D4-9C62-172DA9BB9890}"/>
+                </a:ext>
+                <a:ext uri="{C183D7F6-B498-43B3-948B-1728B52AA6E4}">
+                  <adec:decorative xmlns:adec="http://schemas.microsoft.com/office/drawing/2017/decorative" val="1"/>
+                </a:ext>
+              </a:extLst>
+            </p:cNvPr>
+            <p:cNvSpPr/>
+            <p:nvPr>
+              <p:extLst>
+                <p:ext uri="{386F3935-93C4-4BCD-93E2-E3B085C9AB24}">
+                  <p16:designElem xmlns:p16="http://schemas.microsoft.com/office/powerpoint/2015/main" val="1"/>
+                </p:ext>
+              </p:extLst>
+            </p:nvPr>
+          </p:nvSpPr>
+          <p:spPr bwMode="auto">
+            <a:xfrm flipH="1" flipV="1">
+              <a:off x="752858" y="744469"/>
+              <a:ext cx="3275668" cy="4408488"/>
+            </a:xfrm>
+            <a:custGeom>
+              <a:avLst/>
+              <a:gdLst/>
+              <a:ahLst/>
+              <a:cxnLst/>
+              <a:rect l="l" t="t" r="r" b="b"/>
+              <a:pathLst>
+                <a:path w="10002" h="10000">
+                  <a:moveTo>
+                    <a:pt x="8763" y="0"/>
+                  </a:moveTo>
+                  <a:lnTo>
+                    <a:pt x="10002" y="0"/>
+                  </a:lnTo>
+                  <a:lnTo>
+                    <a:pt x="10002" y="10000"/>
+                  </a:lnTo>
+                  <a:lnTo>
+                    <a:pt x="2" y="10000"/>
+                  </a:lnTo>
+                  <a:cubicBezTo>
+                    <a:pt x="-2" y="9698"/>
+                    <a:pt x="4" y="9427"/>
+                    <a:pt x="0" y="9125"/>
+                  </a:cubicBezTo>
+                  <a:lnTo>
+                    <a:pt x="8763" y="9128"/>
+                  </a:lnTo>
+                  <a:lnTo>
+                    <a:pt x="8763" y="0"/>
+                  </a:lnTo>
+                  <a:close/>
+                </a:path>
+              </a:pathLst>
+            </a:custGeom>
+            <a:solidFill>
+              <a:schemeClr val="tx2"/>
+            </a:solidFill>
+            <a:ln w="0">
+              <a:noFill/>
+              <a:prstDash val="solid"/>
+              <a:round/>
+              <a:headEnd/>
+              <a:tailEnd/>
+            </a:ln>
+          </p:spPr>
+        </p:sp>
+      </p:grpSp>
+      <p:sp>
+        <p:nvSpPr>
+          <p:cNvPr id="25" name="Rectangle 24">
+            <a:extLst>
+              <a:ext uri="{FF2B5EF4-FFF2-40B4-BE49-F238E27FC236}">
+                <a16:creationId xmlns:a16="http://schemas.microsoft.com/office/drawing/2014/main" id="{35E7CCC3-B903-495C-835D-87A78FB05A01}"/>
+              </a:ext>
+              <a:ext uri="{C183D7F6-B498-43B3-948B-1728B52AA6E4}">
+                <adec:decorative xmlns:adec="http://schemas.microsoft.com/office/drawing/2017/decorative" val="1"/>
+              </a:ext>
+            </a:extLst>
+          </p:cNvPr>
+          <p:cNvSpPr>
+            <a:spLocks noGrp="1" noRot="1" noChangeAspect="1" noMove="1" noResize="1" noEditPoints="1" noAdjustHandles="1" noChangeArrowheads="1" noChangeShapeType="1" noTextEdit="1"/>
+          </p:cNvSpPr>
+          <p:nvPr>
+            <p:extLst>
+              <p:ext uri="{386F3935-93C4-4BCD-93E2-E3B085C9AB24}">
+                <p16:designElem xmlns:p16="http://schemas.microsoft.com/office/powerpoint/2015/main" val="1"/>
+              </p:ext>
+            </p:extLst>
+          </p:nvPr>
+        </p:nvSpPr>
+        <p:spPr>
+          <a:xfrm>
+            <a:off x="1000462" y="968188"/>
+            <a:ext cx="5048756" cy="4894232"/>
+          </a:xfrm>
+          <a:prstGeom prst="rect">
+            <a:avLst/>
+          </a:prstGeom>
+          <a:solidFill>
+            <a:srgbClr val="FFFFFF"/>
+          </a:solidFill>
+          <a:ln>
+            <a:noFill/>
+          </a:ln>
+        </p:spPr>
+        <p:style>
+          <a:lnRef idx="2">
+            <a:schemeClr val="accent1">
+              <a:shade val="50000"/>
+            </a:schemeClr>
+          </a:lnRef>
+          <a:fillRef idx="1">
+            <a:schemeClr val="accent1"/>
+          </a:fillRef>
+          <a:effectRef idx="0">
+            <a:schemeClr val="accent1"/>
+          </a:effectRef>
+          <a:fontRef idx="minor">
+            <a:schemeClr val="lt1"/>
+          </a:fontRef>
+        </p:style>
+        <p:txBody>
+          <a:bodyPr rtlCol="0" anchor="ctr"/>
+          <a:lstStyle/>
+          <a:p>
+            <a:pPr algn="ctr"/>
+            <a:endParaRPr lang="en-US"/>
+          </a:p>
+        </p:txBody>
+      </p:sp>
+      <p:pic>
+        <p:nvPicPr>
+          <p:cNvPr id="5" name="Imagem 5" descr="Diagrama&#10;&#10;Descrição gerada automaticamente">
+            <a:extLst>
+              <a:ext uri="{FF2B5EF4-FFF2-40B4-BE49-F238E27FC236}">
+                <a16:creationId xmlns:a16="http://schemas.microsoft.com/office/drawing/2014/main" id="{1AC40E69-498E-D5CD-390C-49C2B41718A7}"/>
+              </a:ext>
+            </a:extLst>
+          </p:cNvPr>
+          <p:cNvPicPr>
+            <a:picLocks noChangeAspect="1"/>
+          </p:cNvPicPr>
+          <p:nvPr/>
+        </p:nvPicPr>
+        <p:blipFill>
+          <a:blip r:embed="rId2"/>
+          <a:stretch>
+            <a:fillRect/>
+          </a:stretch>
+        </p:blipFill>
+        <p:spPr>
+          <a:xfrm>
+            <a:off x="1322194" y="1939531"/>
+            <a:ext cx="4405291" cy="2951544"/>
+          </a:xfrm>
+          <a:prstGeom prst="rect">
+            <a:avLst/>
+          </a:prstGeom>
+        </p:spPr>
+      </p:pic>
+      <p:sp>
+        <p:nvSpPr>
+          <p:cNvPr id="27" name="Rectangle 26">
+            <a:extLst>
+              <a:ext uri="{FF2B5EF4-FFF2-40B4-BE49-F238E27FC236}">
+                <a16:creationId xmlns:a16="http://schemas.microsoft.com/office/drawing/2014/main" id="{584170D1-B32B-4D7D-AA30-9D84747A0574}"/>
+              </a:ext>
+              <a:ext uri="{C183D7F6-B498-43B3-948B-1728B52AA6E4}">
+                <adec:decorative xmlns:adec="http://schemas.microsoft.com/office/drawing/2017/decorative" val="1"/>
+              </a:ext>
+            </a:extLst>
+          </p:cNvPr>
+          <p:cNvSpPr>
+            <a:spLocks noGrp="1" noRot="1" noChangeAspect="1" noMove="1" noResize="1" noEditPoints="1" noAdjustHandles="1" noChangeArrowheads="1" noChangeShapeType="1" noTextEdit="1"/>
+          </p:cNvSpPr>
+          <p:nvPr>
+            <p:extLst>
+              <p:ext uri="{386F3935-93C4-4BCD-93E2-E3B085C9AB24}">
+                <p16:designElem xmlns:p16="http://schemas.microsoft.com/office/powerpoint/2015/main" val="1"/>
+              </p:ext>
+            </p:extLst>
+          </p:nvPr>
+        </p:nvSpPr>
+        <p:spPr>
+          <a:xfrm>
+            <a:off x="6131270" y="981884"/>
+            <a:ext cx="5048756" cy="4894232"/>
+          </a:xfrm>
+          <a:prstGeom prst="rect">
+            <a:avLst/>
+          </a:prstGeom>
+          <a:solidFill>
+            <a:srgbClr val="FFFFFF"/>
+          </a:solidFill>
+          <a:ln>
+            <a:noFill/>
+          </a:ln>
+        </p:spPr>
+        <p:style>
+          <a:lnRef idx="2">
+            <a:schemeClr val="accent1">
+              <a:shade val="50000"/>
+            </a:schemeClr>
+          </a:lnRef>
+          <a:fillRef idx="1">
+            <a:schemeClr val="accent1"/>
+          </a:fillRef>
+          <a:effectRef idx="0">
+            <a:schemeClr val="accent1"/>
+          </a:effectRef>
+          <a:fontRef idx="minor">
+            <a:schemeClr val="lt1"/>
+          </a:fontRef>
+        </p:style>
+        <p:txBody>
+          <a:bodyPr rtlCol="0" anchor="ctr"/>
+          <a:lstStyle/>
+          <a:p>
+            <a:pPr algn="ctr"/>
+            <a:endParaRPr lang="en-US"/>
+          </a:p>
+        </p:txBody>
+      </p:sp>
+      <p:pic>
+        <p:nvPicPr>
+          <p:cNvPr id="4" name="Imagem 4" descr="Uma imagem contendo Diagrama&#10;&#10;Descrição gerada automaticamente">
+            <a:extLst>
+              <a:ext uri="{FF2B5EF4-FFF2-40B4-BE49-F238E27FC236}">
+                <a16:creationId xmlns:a16="http://schemas.microsoft.com/office/drawing/2014/main" id="{9C6F6941-B505-3AFD-0FA6-DE5F61610984}"/>
+              </a:ext>
+            </a:extLst>
+          </p:cNvPr>
+          <p:cNvPicPr>
+            <a:picLocks noChangeAspect="1"/>
+          </p:cNvPicPr>
+          <p:nvPr/>
+        </p:nvPicPr>
+        <p:blipFill>
+          <a:blip r:embed="rId3"/>
+          <a:stretch>
+            <a:fillRect/>
+          </a:stretch>
+        </p:blipFill>
+        <p:spPr>
+          <a:xfrm>
+            <a:off x="6453003" y="1807373"/>
+            <a:ext cx="4405288" cy="3215860"/>
+          </a:xfrm>
+          <a:prstGeom prst="rect">
+            <a:avLst/>
+          </a:prstGeom>
+        </p:spPr>
+      </p:pic>
+    </p:spTree>
+    <p:extLst>
+      <p:ext uri="{BB962C8B-B14F-4D97-AF65-F5344CB8AC3E}">
+        <p14:creationId xmlns:p14="http://schemas.microsoft.com/office/powerpoint/2010/main" val="3288623863"/>
+      </p:ext>
+    </p:extLst>
+  </p:cSld>
+  <p:clrMapOvr>
+    <a:masterClrMapping/>
+  </p:clrMapOvr>
+</p:sld>
+</file>
+
+<file path=ppt/slides/slide9.xml><?xml version="1.0" encoding="utf-8"?>
+<p:sld xmlns:a="http://schemas.openxmlformats.org/drawingml/2006/main" xmlns:r="http://schemas.openxmlformats.org/officeDocument/2006/relationships" xmlns:p="http://schemas.openxmlformats.org/presentationml/2006/main">
+  <p:cSld>
+    <p:bg>
+      <p:bgPr>
+        <a:solidFill>
+          <a:schemeClr val="bg2"/>
+        </a:solidFill>
+        <a:effectLst/>
+      </p:bgPr>
+    </p:bg>
+    <p:spTree>
+      <p:nvGrpSpPr>
+        <p:cNvPr id="1" name=""/>
+        <p:cNvGrpSpPr/>
+        <p:nvPr/>
+      </p:nvGrpSpPr>
+      <p:grpSpPr>
+        <a:xfrm>
+          <a:off x="0" y="0"/>
+          <a:ext cx="0" cy="0"/>
+          <a:chOff x="0" y="0"/>
+          <a:chExt cx="0" cy="0"/>
+        </a:xfrm>
+      </p:grpSpPr>
+      <p:sp>
+        <p:nvSpPr>
+          <p:cNvPr id="17" name="Rectangle 16">
+            <a:extLst>
+              <a:ext uri="{FF2B5EF4-FFF2-40B4-BE49-F238E27FC236}">
+                <a16:creationId xmlns:a16="http://schemas.microsoft.com/office/drawing/2014/main" id="{9E8A3474-A3A2-4200-9E98-3433E3D193E2}"/>
+              </a:ext>
+              <a:ext uri="{C183D7F6-B498-43B3-948B-1728B52AA6E4}">
+                <adec:decorative xmlns:adec="http://schemas.microsoft.com/office/drawing/2017/decorative" val="1"/>
+              </a:ext>
+            </a:extLst>
+          </p:cNvPr>
+          <p:cNvSpPr>
+            <a:spLocks noGrp="1" noRot="1" noChangeAspect="1" noMove="1" noResize="1" noEditPoints="1" noAdjustHandles="1" noChangeArrowheads="1" noChangeShapeType="1" noTextEdit="1"/>
+          </p:cNvSpPr>
+          <p:nvPr>
+            <p:extLst>
+              <p:ext uri="{386F3935-93C4-4BCD-93E2-E3B085C9AB24}">
+                <p16:designElem xmlns:p16="http://schemas.microsoft.com/office/powerpoint/2015/main" val="1"/>
+              </p:ext>
+            </p:extLst>
+          </p:nvPr>
+        </p:nvSpPr>
+        <p:spPr>
+          <a:xfrm>
+            <a:off x="478095" y="376"/>
+            <a:ext cx="228600" cy="6858000"/>
+          </a:xfrm>
+          <a:prstGeom prst="rect">
+            <a:avLst/>
+          </a:prstGeom>
+          <a:solidFill>
+            <a:schemeClr val="tx2"/>
+          </a:solidFill>
+          <a:ln>
+            <a:noFill/>
+          </a:ln>
+        </p:spPr>
+        <p:style>
+          <a:lnRef idx="2">
+            <a:schemeClr val="accent1">
+              <a:shade val="50000"/>
+            </a:schemeClr>
+          </a:lnRef>
+          <a:fillRef idx="1">
+            <a:schemeClr val="accent1"/>
+          </a:fillRef>
+          <a:effectRef idx="0">
+            <a:schemeClr val="accent1"/>
+          </a:effectRef>
+          <a:fontRef idx="minor">
+            <a:schemeClr val="lt1"/>
+          </a:fontRef>
+        </p:style>
+      </p:sp>
+      <p:sp>
+        <p:nvSpPr>
+          <p:cNvPr id="19" name="Rectangle 18">
+            <a:extLst>
+              <a:ext uri="{FF2B5EF4-FFF2-40B4-BE49-F238E27FC236}">
+                <a16:creationId xmlns:a16="http://schemas.microsoft.com/office/drawing/2014/main" id="{9A5A698B-F644-41A9-BD67-6316EDB7A951}"/>
+              </a:ext>
+              <a:ext uri="{C183D7F6-B498-43B3-948B-1728B52AA6E4}">
+                <adec:decorative xmlns:adec="http://schemas.microsoft.com/office/drawing/2017/decorative" val="1"/>
+              </a:ext>
+            </a:extLst>
+          </p:cNvPr>
+          <p:cNvSpPr>
+            <a:spLocks noGrp="1" noRot="1" noChangeAspect="1" noMove="1" noResize="1" noEditPoints="1" noAdjustHandles="1" noChangeArrowheads="1" noChangeShapeType="1" noTextEdit="1"/>
+          </p:cNvSpPr>
+          <p:nvPr>
+            <p:extLst>
+              <p:ext uri="{386F3935-93C4-4BCD-93E2-E3B085C9AB24}">
+                <p16:designElem xmlns:p16="http://schemas.microsoft.com/office/powerpoint/2015/main" val="1"/>
+              </p:ext>
+            </p:extLst>
+          </p:nvPr>
+        </p:nvSpPr>
+        <p:spPr>
+          <a:xfrm>
+            <a:off x="0" y="0"/>
+            <a:ext cx="12192000" cy="6858000"/>
+          </a:xfrm>
+          <a:prstGeom prst="rect">
+            <a:avLst/>
+          </a:prstGeom>
+          <a:solidFill>
+            <a:schemeClr val="bg2"/>
+          </a:solidFill>
+          <a:ln>
+            <a:noFill/>
+          </a:ln>
+        </p:spPr>
+        <p:style>
+          <a:lnRef idx="2">
+            <a:schemeClr val="accent1">
+              <a:shade val="50000"/>
+            </a:schemeClr>
+          </a:lnRef>
+          <a:fillRef idx="1">
+            <a:schemeClr val="accent1"/>
+          </a:fillRef>
+          <a:effectRef idx="0">
+            <a:schemeClr val="accent1"/>
+          </a:effectRef>
+          <a:fontRef idx="minor">
+            <a:schemeClr val="lt1"/>
+          </a:fontRef>
+        </p:style>
+        <p:txBody>
+          <a:bodyPr rtlCol="0" anchor="ctr"/>
+          <a:lstStyle/>
+          <a:p>
+            <a:pPr algn="ctr"/>
+            <a:endParaRPr lang="en-US"/>
+          </a:p>
+        </p:txBody>
+      </p:sp>
+      <p:grpSp>
+        <p:nvGrpSpPr>
+          <p:cNvPr id="21" name="Group 20">
+            <a:extLst>
+              <a:ext uri="{FF2B5EF4-FFF2-40B4-BE49-F238E27FC236}">
+                <a16:creationId xmlns:a16="http://schemas.microsoft.com/office/drawing/2014/main" id="{BA916D8B-8E5E-442C-93D2-F10B324962F3}"/>
+              </a:ext>
+              <a:ext uri="{C183D7F6-B498-43B3-948B-1728B52AA6E4}">
+                <adec:decorative xmlns:adec="http://schemas.microsoft.com/office/drawing/2017/decorative" val="1"/>
+              </a:ext>
+            </a:extLst>
+          </p:cNvPr>
+          <p:cNvGrpSpPr>
+            <a:grpSpLocks noGrp="1" noUngrp="1" noRot="1" noChangeAspect="1" noMove="1" noResize="1"/>
+          </p:cNvGrpSpPr>
+          <p:nvPr>
+            <p:extLst>
+              <p:ext uri="{386F3935-93C4-4BCD-93E2-E3B085C9AB24}">
+                <p16:designElem xmlns:p16="http://schemas.microsoft.com/office/powerpoint/2015/main" val="1"/>
+              </p:ext>
+            </p:extLst>
+          </p:nvPr>
+        </p:nvGrpSpPr>
+        <p:grpSpPr>
+          <a:xfrm>
+            <a:off x="752858" y="744469"/>
+            <a:ext cx="10674117" cy="5349671"/>
+            <a:chOff x="752858" y="744469"/>
+            <a:chExt cx="10674117" cy="5349671"/>
+          </a:xfrm>
+        </p:grpSpPr>
+        <p:sp>
+          <p:nvSpPr>
+            <p:cNvPr id="22" name="Freeform 6">
+              <a:extLst>
+                <a:ext uri="{FF2B5EF4-FFF2-40B4-BE49-F238E27FC236}">
+                  <a16:creationId xmlns:a16="http://schemas.microsoft.com/office/drawing/2014/main" id="{E444B8DA-C76F-4B2F-AFC5-378726411B52}"/>
+                </a:ext>
+                <a:ext uri="{C183D7F6-B498-43B3-948B-1728B52AA6E4}">
+                  <adec:decorative xmlns:adec="http://schemas.microsoft.com/office/drawing/2017/decorative" val="1"/>
+                </a:ext>
+              </a:extLst>
+            </p:cNvPr>
+            <p:cNvSpPr/>
+            <p:nvPr>
+              <p:extLst>
+                <p:ext uri="{386F3935-93C4-4BCD-93E2-E3B085C9AB24}">
+                  <p16:designElem xmlns:p16="http://schemas.microsoft.com/office/powerpoint/2015/main" val="1"/>
+                </p:ext>
+              </p:extLst>
+            </p:nvPr>
+          </p:nvSpPr>
+          <p:spPr bwMode="auto">
+            <a:xfrm>
+              <a:off x="8151962" y="1685652"/>
+              <a:ext cx="3275013" cy="4408488"/>
+            </a:xfrm>
+            <a:custGeom>
+              <a:avLst/>
+              <a:gdLst/>
+              <a:ahLst/>
+              <a:cxnLst/>
+              <a:rect l="l" t="t" r="r" b="b"/>
+              <a:pathLst>
+                <a:path w="10000" h="10000">
+                  <a:moveTo>
+                    <a:pt x="8761" y="0"/>
+                  </a:moveTo>
+                  <a:lnTo>
+                    <a:pt x="10000" y="0"/>
+                  </a:lnTo>
+                  <a:lnTo>
+                    <a:pt x="10000" y="10000"/>
+                  </a:lnTo>
+                  <a:lnTo>
+                    <a:pt x="0" y="10000"/>
+                  </a:lnTo>
+                  <a:lnTo>
+                    <a:pt x="0" y="9126"/>
+                  </a:lnTo>
+                  <a:lnTo>
+                    <a:pt x="8761" y="9127"/>
+                  </a:lnTo>
+                  <a:lnTo>
+                    <a:pt x="8761" y="0"/>
+                  </a:lnTo>
+                  <a:close/>
+                </a:path>
+              </a:pathLst>
+            </a:custGeom>
+            <a:solidFill>
+              <a:schemeClr val="tx2"/>
+            </a:solidFill>
+            <a:ln w="0">
+              <a:noFill/>
+              <a:prstDash val="solid"/>
+              <a:round/>
+              <a:headEnd/>
+              <a:tailEnd/>
+            </a:ln>
+          </p:spPr>
+        </p:sp>
+        <p:sp>
+          <p:nvSpPr>
+            <p:cNvPr id="23" name="Freeform 6">
+              <a:extLst>
+                <a:ext uri="{FF2B5EF4-FFF2-40B4-BE49-F238E27FC236}">
+                  <a16:creationId xmlns:a16="http://schemas.microsoft.com/office/drawing/2014/main" id="{7E2B20CB-FF0A-40D4-9C62-172DA9BB9890}"/>
+                </a:ext>
+                <a:ext uri="{C183D7F6-B498-43B3-948B-1728B52AA6E4}">
+                  <adec:decorative xmlns:adec="http://schemas.microsoft.com/office/drawing/2017/decorative" val="1"/>
+                </a:ext>
+              </a:extLst>
+            </p:cNvPr>
+            <p:cNvSpPr/>
+            <p:nvPr>
+              <p:extLst>
+                <p:ext uri="{386F3935-93C4-4BCD-93E2-E3B085C9AB24}">
+                  <p16:designElem xmlns:p16="http://schemas.microsoft.com/office/powerpoint/2015/main" val="1"/>
+                </p:ext>
+              </p:extLst>
+            </p:nvPr>
+          </p:nvSpPr>
+          <p:spPr bwMode="auto">
+            <a:xfrm flipH="1" flipV="1">
+              <a:off x="752858" y="744469"/>
+              <a:ext cx="3275668" cy="4408488"/>
+            </a:xfrm>
+            <a:custGeom>
+              <a:avLst/>
+              <a:gdLst/>
+              <a:ahLst/>
+              <a:cxnLst/>
+              <a:rect l="l" t="t" r="r" b="b"/>
+              <a:pathLst>
+                <a:path w="10002" h="10000">
+                  <a:moveTo>
+                    <a:pt x="8763" y="0"/>
+                  </a:moveTo>
+                  <a:lnTo>
+                    <a:pt x="10002" y="0"/>
+                  </a:lnTo>
+                  <a:lnTo>
+                    <a:pt x="10002" y="10000"/>
+                  </a:lnTo>
+                  <a:lnTo>
+                    <a:pt x="2" y="10000"/>
+                  </a:lnTo>
+                  <a:cubicBezTo>
+                    <a:pt x="-2" y="9698"/>
+                    <a:pt x="4" y="9427"/>
+                    <a:pt x="0" y="9125"/>
+                  </a:cubicBezTo>
+                  <a:lnTo>
+                    <a:pt x="8763" y="9128"/>
+                  </a:lnTo>
+                  <a:lnTo>
+                    <a:pt x="8763" y="0"/>
+                  </a:lnTo>
+                  <a:close/>
+                </a:path>
+              </a:pathLst>
+            </a:custGeom>
+            <a:solidFill>
+              <a:schemeClr val="tx2"/>
+            </a:solidFill>
+            <a:ln w="0">
+              <a:noFill/>
+              <a:prstDash val="solid"/>
+              <a:round/>
+              <a:headEnd/>
+              <a:tailEnd/>
+            </a:ln>
+          </p:spPr>
+        </p:sp>
+      </p:grpSp>
+      <p:sp>
+        <p:nvSpPr>
+          <p:cNvPr id="25" name="Rectangle 24">
+            <a:extLst>
+              <a:ext uri="{FF2B5EF4-FFF2-40B4-BE49-F238E27FC236}">
+                <a16:creationId xmlns:a16="http://schemas.microsoft.com/office/drawing/2014/main" id="{35E7CCC3-B903-495C-835D-87A78FB05A01}"/>
+              </a:ext>
+              <a:ext uri="{C183D7F6-B498-43B3-948B-1728B52AA6E4}">
+                <adec:decorative xmlns:adec="http://schemas.microsoft.com/office/drawing/2017/decorative" val="1"/>
+              </a:ext>
+            </a:extLst>
+          </p:cNvPr>
+          <p:cNvSpPr>
+            <a:spLocks noGrp="1" noRot="1" noChangeAspect="1" noMove="1" noResize="1" noEditPoints="1" noAdjustHandles="1" noChangeArrowheads="1" noChangeShapeType="1" noTextEdit="1"/>
+          </p:cNvSpPr>
+          <p:nvPr>
+            <p:extLst>
+              <p:ext uri="{386F3935-93C4-4BCD-93E2-E3B085C9AB24}">
+                <p16:designElem xmlns:p16="http://schemas.microsoft.com/office/powerpoint/2015/main" val="1"/>
+              </p:ext>
+            </p:extLst>
+          </p:nvPr>
+        </p:nvSpPr>
+        <p:spPr>
+          <a:xfrm>
+            <a:off x="1000462" y="968188"/>
+            <a:ext cx="5048756" cy="4894232"/>
+          </a:xfrm>
+          <a:prstGeom prst="rect">
+            <a:avLst/>
+          </a:prstGeom>
+          <a:solidFill>
+            <a:srgbClr val="FFFFFF"/>
+          </a:solidFill>
+          <a:ln>
+            <a:noFill/>
+          </a:ln>
+        </p:spPr>
+        <p:style>
+          <a:lnRef idx="2">
+            <a:schemeClr val="accent1">
+              <a:shade val="50000"/>
+            </a:schemeClr>
+          </a:lnRef>
+          <a:fillRef idx="1">
+            <a:schemeClr val="accent1"/>
+          </a:fillRef>
+          <a:effectRef idx="0">
+            <a:schemeClr val="accent1"/>
+          </a:effectRef>
+          <a:fontRef idx="minor">
+            <a:schemeClr val="lt1"/>
+          </a:fontRef>
+        </p:style>
+        <p:txBody>
+          <a:bodyPr rtlCol="0" anchor="ctr"/>
+          <a:lstStyle/>
+          <a:p>
+            <a:pPr algn="ctr"/>
+            <a:endParaRPr lang="en-US"/>
+          </a:p>
+        </p:txBody>
+      </p:sp>
+      <p:pic>
+        <p:nvPicPr>
+          <p:cNvPr id="4" name="Imagem 4" descr="Desenho de um cachorro&#10;&#10;Descrição gerada automaticamente">
+            <a:extLst>
+              <a:ext uri="{FF2B5EF4-FFF2-40B4-BE49-F238E27FC236}">
+                <a16:creationId xmlns:a16="http://schemas.microsoft.com/office/drawing/2014/main" id="{CE0A1DB1-EAC6-CAFE-8909-45EED72FF0F0}"/>
+              </a:ext>
+            </a:extLst>
+          </p:cNvPr>
+          <p:cNvPicPr>
+            <a:picLocks noGrp="1" noChangeAspect="1"/>
+          </p:cNvPicPr>
+          <p:nvPr>
+            <p:ph idx="1"/>
+          </p:nvPr>
+        </p:nvPicPr>
+        <p:blipFill rotWithShape="1">
+          <a:blip r:embed="rId2"/>
+          <a:srcRect l="641" r="2" b="2"/>
+          <a:stretch/>
+        </p:blipFill>
+        <p:spPr>
+          <a:xfrm>
+            <a:off x="1322194" y="1946637"/>
+            <a:ext cx="4405291" cy="2937333"/>
+          </a:xfrm>
+          <a:prstGeom prst="rect">
+            <a:avLst/>
+          </a:prstGeom>
+        </p:spPr>
+      </p:pic>
+      <p:sp>
+        <p:nvSpPr>
+          <p:cNvPr id="27" name="Rectangle 26">
+            <a:extLst>
+              <a:ext uri="{FF2B5EF4-FFF2-40B4-BE49-F238E27FC236}">
+                <a16:creationId xmlns:a16="http://schemas.microsoft.com/office/drawing/2014/main" id="{584170D1-B32B-4D7D-AA30-9D84747A0574}"/>
+              </a:ext>
+              <a:ext uri="{C183D7F6-B498-43B3-948B-1728B52AA6E4}">
+                <adec:decorative xmlns:adec="http://schemas.microsoft.com/office/drawing/2017/decorative" val="1"/>
+              </a:ext>
+            </a:extLst>
+          </p:cNvPr>
+          <p:cNvSpPr>
+            <a:spLocks noGrp="1" noRot="1" noChangeAspect="1" noMove="1" noResize="1" noEditPoints="1" noAdjustHandles="1" noChangeArrowheads="1" noChangeShapeType="1" noTextEdit="1"/>
+          </p:cNvSpPr>
+          <p:nvPr>
+            <p:extLst>
+              <p:ext uri="{386F3935-93C4-4BCD-93E2-E3B085C9AB24}">
+                <p16:designElem xmlns:p16="http://schemas.microsoft.com/office/powerpoint/2015/main" val="1"/>
+              </p:ext>
+            </p:extLst>
+          </p:nvPr>
+        </p:nvSpPr>
+        <p:spPr>
+          <a:xfrm>
+            <a:off x="6131270" y="981884"/>
+            <a:ext cx="5048756" cy="4894232"/>
+          </a:xfrm>
+          <a:prstGeom prst="rect">
+            <a:avLst/>
+          </a:prstGeom>
+          <a:solidFill>
+            <a:srgbClr val="FFFFFF"/>
+          </a:solidFill>
+          <a:ln>
+            <a:noFill/>
+          </a:ln>
+        </p:spPr>
+        <p:style>
+          <a:lnRef idx="2">
+            <a:schemeClr val="accent1">
+              <a:shade val="50000"/>
+            </a:schemeClr>
+          </a:lnRef>
+          <a:fillRef idx="1">
+            <a:schemeClr val="accent1"/>
+          </a:fillRef>
+          <a:effectRef idx="0">
+            <a:schemeClr val="accent1"/>
+          </a:effectRef>
+          <a:fontRef idx="minor">
+            <a:schemeClr val="lt1"/>
+          </a:fontRef>
+        </p:style>
+        <p:txBody>
+          <a:bodyPr rtlCol="0" anchor="ctr"/>
+          <a:lstStyle/>
+          <a:p>
+            <a:pPr algn="ctr"/>
+            <a:endParaRPr lang="en-US"/>
+          </a:p>
+        </p:txBody>
+      </p:sp>
+      <p:pic>
+        <p:nvPicPr>
+          <p:cNvPr id="5" name="Imagem 5">
+            <a:extLst>
+              <a:ext uri="{FF2B5EF4-FFF2-40B4-BE49-F238E27FC236}">
+                <a16:creationId xmlns:a16="http://schemas.microsoft.com/office/drawing/2014/main" id="{5BD009AB-3B0D-8DFB-24C8-6AB418BDAAFB}"/>
+              </a:ext>
+            </a:extLst>
+          </p:cNvPr>
+          <p:cNvPicPr>
+            <a:picLocks noChangeAspect="1"/>
+          </p:cNvPicPr>
+          <p:nvPr/>
+        </p:nvPicPr>
+        <p:blipFill rotWithShape="1">
+          <a:blip r:embed="rId3"/>
+          <a:srcRect l="8562" r="7575" b="1"/>
+          <a:stretch/>
+        </p:blipFill>
+        <p:spPr>
+          <a:xfrm>
+            <a:off x="6453003" y="1556130"/>
+            <a:ext cx="4405288" cy="3718346"/>
+          </a:xfrm>
+          <a:prstGeom prst="rect">
+            <a:avLst/>
+          </a:prstGeom>
+        </p:spPr>
+      </p:pic>
+    </p:spTree>
+    <p:extLst>
+      <p:ext uri="{BB962C8B-B14F-4D97-AF65-F5344CB8AC3E}">
+        <p14:creationId xmlns:p14="http://schemas.microsoft.com/office/powerpoint/2010/main" val="2242559987"/>
+      </p:ext>
+    </p:extLst>
+  </p:cSld>
+  <p:clrMapOvr>
+    <a:masterClrMapping/>
+  </p:clrMapOvr>
 </p:sld>
 </file>
 
